--- a/PEP's Project.pptx
+++ b/PEP's Project.pptx
@@ -5,10 +5,10 @@
     <p:sldMasterId id="2147483834" r:id="rId1"/>
   </p:sldMasterIdLst>
   <p:notesMasterIdLst>
-    <p:notesMasterId r:id="rId13"/>
+    <p:notesMasterId r:id="rId14"/>
   </p:notesMasterIdLst>
   <p:handoutMasterIdLst>
-    <p:handoutMasterId r:id="rId14"/>
+    <p:handoutMasterId r:id="rId15"/>
   </p:handoutMasterIdLst>
   <p:sldIdLst>
     <p:sldId id="256" r:id="rId2"/>
@@ -21,7 +21,8 @@
     <p:sldId id="288" r:id="rId9"/>
     <p:sldId id="289" r:id="rId10"/>
     <p:sldId id="290" r:id="rId11"/>
-    <p:sldId id="285" r:id="rId12"/>
+    <p:sldId id="291" r:id="rId12"/>
+    <p:sldId id="285" r:id="rId13"/>
   </p:sldIdLst>
   <p:sldSz cx="12192000" cy="6858000"/>
   <p:notesSz cx="6858000" cy="9144000"/>
@@ -258,7 +259,7 @@
             <a:pPr rtl="0"/>
             <a:fld id="{8196FF38-ED5D-48F9-86A5-23A56EB1D6F9}" type="datetime1">
               <a:rPr lang="ru-RU" smtClean="0"/>
-              <a:t>09.05.2021</a:t>
+              <a:t>16.05.2021</a:t>
             </a:fld>
             <a:endParaRPr lang="ru-RU" dirty="0"/>
           </a:p>
@@ -439,7 +440,7 @@
             <a:fld id="{3148F836-3A79-4E2E-BD39-F0469988701B}" type="datetime1">
               <a:rPr lang="ru-RU" smtClean="0"/>
               <a:pPr/>
-              <a:t>09.05.2021</a:t>
+              <a:t>16.05.2021</a:t>
             </a:fld>
             <a:endParaRPr lang="ru-RU" dirty="0"/>
           </a:p>
@@ -973,6 +974,97 @@
     </p:spTree>
     <p:extLst>
       <p:ext uri="{BB962C8B-B14F-4D97-AF65-F5344CB8AC3E}">
+        <p14:creationId xmlns:p14="http://schemas.microsoft.com/office/powerpoint/2010/main" val="1541195563"/>
+      </p:ext>
+    </p:extLst>
+  </p:cSld>
+  <p:clrMapOvr>
+    <a:masterClrMapping/>
+  </p:clrMapOvr>
+</p:notes>
+</file>
+
+<file path=ppt/notesSlides/notesSlide12.xml><?xml version="1.0" encoding="utf-8"?>
+<p:notes xmlns:a="http://schemas.openxmlformats.org/drawingml/2006/main" xmlns:r="http://schemas.openxmlformats.org/officeDocument/2006/relationships" xmlns:p="http://schemas.openxmlformats.org/presentationml/2006/main">
+  <p:cSld>
+    <p:spTree>
+      <p:nvGrpSpPr>
+        <p:cNvPr id="1" name=""/>
+        <p:cNvGrpSpPr/>
+        <p:nvPr/>
+      </p:nvGrpSpPr>
+      <p:grpSpPr>
+        <a:xfrm>
+          <a:off x="0" y="0"/>
+          <a:ext cx="0" cy="0"/>
+          <a:chOff x="0" y="0"/>
+          <a:chExt cx="0" cy="0"/>
+        </a:xfrm>
+      </p:grpSpPr>
+      <p:sp>
+        <p:nvSpPr>
+          <p:cNvPr id="2" name="Образ слайда 1"/>
+          <p:cNvSpPr>
+            <a:spLocks noGrp="1" noRot="1" noChangeAspect="1"/>
+          </p:cNvSpPr>
+          <p:nvPr>
+            <p:ph type="sldImg"/>
+          </p:nvPr>
+        </p:nvSpPr>
+        <p:spPr>
+          <a:xfrm>
+            <a:off x="685800" y="1143000"/>
+            <a:ext cx="5486400" cy="3086100"/>
+          </a:xfrm>
+        </p:spPr>
+      </p:sp>
+      <p:sp>
+        <p:nvSpPr>
+          <p:cNvPr id="3" name="Заметки 2"/>
+          <p:cNvSpPr>
+            <a:spLocks noGrp="1"/>
+          </p:cNvSpPr>
+          <p:nvPr>
+            <p:ph type="body" idx="1"/>
+          </p:nvPr>
+        </p:nvSpPr>
+        <p:spPr/>
+        <p:txBody>
+          <a:bodyPr rtlCol="0"/>
+          <a:lstStyle/>
+          <a:p>
+            <a:pPr rtl="0"/>
+            <a:endParaRPr lang="ru-RU" dirty="0"/>
+          </a:p>
+        </p:txBody>
+      </p:sp>
+      <p:sp>
+        <p:nvSpPr>
+          <p:cNvPr id="4" name="Номер слайда 3"/>
+          <p:cNvSpPr>
+            <a:spLocks noGrp="1"/>
+          </p:cNvSpPr>
+          <p:nvPr>
+            <p:ph type="sldNum" sz="quarter" idx="5"/>
+          </p:nvPr>
+        </p:nvSpPr>
+        <p:spPr/>
+        <p:txBody>
+          <a:bodyPr rtlCol="0"/>
+          <a:lstStyle/>
+          <a:p>
+            <a:pPr rtl="0"/>
+            <a:fld id="{BE60DC36-8EFA-4378-9855-E019C55AC472}" type="slidenum">
+              <a:rPr lang="ru-RU" smtClean="0"/>
+              <a:t>12</a:t>
+            </a:fld>
+            <a:endParaRPr lang="ru-RU" dirty="0"/>
+          </a:p>
+        </p:txBody>
+      </p:sp>
+    </p:spTree>
+    <p:extLst>
+      <p:ext uri="{BB962C8B-B14F-4D97-AF65-F5344CB8AC3E}">
         <p14:creationId xmlns:p14="http://schemas.microsoft.com/office/powerpoint/2010/main" val="1054801191"/>
       </p:ext>
     </p:extLst>
@@ -1851,7 +1943,7 @@
             <a:pPr rtl="0"/>
             <a:fld id="{AD487AC8-2E27-4521-B851-B6631051F3D3}" type="datetime1">
               <a:rPr lang="ru-RU" noProof="0" smtClean="0"/>
-              <a:t>09.05.2021</a:t>
+              <a:t>16.05.2021</a:t>
             </a:fld>
             <a:endParaRPr lang="ru-RU" noProof="0" dirty="0"/>
           </a:p>
@@ -2074,7 +2166,7 @@
             <a:pPr rtl="0"/>
             <a:fld id="{1192B142-FCBD-4EC4-8EEE-20AF3A45CBB5}" type="datetime1">
               <a:rPr lang="ru-RU" noProof="0" smtClean="0"/>
-              <a:t>09.05.2021</a:t>
+              <a:t>16.05.2021</a:t>
             </a:fld>
             <a:endParaRPr lang="ru-RU" noProof="0" dirty="0"/>
           </a:p>
@@ -2301,7 +2393,7 @@
             <a:pPr rtl="0"/>
             <a:fld id="{BD623BE9-F292-4C48-9030-5DC41B0B2C7D}" type="datetime1">
               <a:rPr lang="ru-RU" noProof="0" smtClean="0"/>
-              <a:t>09.05.2021</a:t>
+              <a:t>16.05.2021</a:t>
             </a:fld>
             <a:endParaRPr lang="ru-RU" noProof="0" dirty="0"/>
           </a:p>
@@ -2518,7 +2610,7 @@
             <a:pPr rtl="0"/>
             <a:fld id="{999A523A-9522-4FC8-BF19-7168970C597F}" type="datetime1">
               <a:rPr lang="ru-RU" noProof="0" smtClean="0"/>
-              <a:t>09.05.2021</a:t>
+              <a:t>16.05.2021</a:t>
             </a:fld>
             <a:endParaRPr lang="ru-RU" noProof="0" dirty="0"/>
           </a:p>
@@ -2813,7 +2905,7 @@
             <a:pPr rtl="0"/>
             <a:fld id="{50448D71-62B7-4716-9BB5-CB3D729E920F}" type="datetime1">
               <a:rPr lang="ru-RU" noProof="0" smtClean="0"/>
-              <a:t>09.05.2021</a:t>
+              <a:t>16.05.2021</a:t>
             </a:fld>
             <a:endParaRPr lang="ru-RU" noProof="0" dirty="0"/>
           </a:p>
@@ -3093,7 +3185,7 @@
             <a:pPr rtl="0"/>
             <a:fld id="{FE119431-1E6E-4E07-A8B6-073D5DF11CA2}" type="datetime1">
               <a:rPr lang="ru-RU" noProof="0" smtClean="0"/>
-              <a:t>09.05.2021</a:t>
+              <a:t>16.05.2021</a:t>
             </a:fld>
             <a:endParaRPr lang="ru-RU" noProof="0" dirty="0"/>
           </a:p>
@@ -3522,7 +3614,7 @@
             <a:pPr rtl="0"/>
             <a:fld id="{5EB0E952-F832-496E-ABEA-42AE0AFA6CCC}" type="datetime1">
               <a:rPr lang="ru-RU" noProof="0" smtClean="0"/>
-              <a:t>09.05.2021</a:t>
+              <a:t>16.05.2021</a:t>
             </a:fld>
             <a:endParaRPr lang="ru-RU" noProof="0" dirty="0"/>
           </a:p>
@@ -3683,7 +3775,7 @@
             <a:pPr rtl="0"/>
             <a:fld id="{ACDD5508-11FB-4992-B00C-2F96E71032D7}" type="datetime1">
               <a:rPr lang="ru-RU" noProof="0" smtClean="0"/>
-              <a:t>09.05.2021</a:t>
+              <a:t>16.05.2021</a:t>
             </a:fld>
             <a:endParaRPr lang="ru-RU" noProof="0" dirty="0"/>
           </a:p>
@@ -3821,7 +3913,7 @@
             <a:pPr rtl="0"/>
             <a:fld id="{F236027D-058E-4138-A066-359F07C6D214}" type="datetime1">
               <a:rPr lang="ru-RU" noProof="0" smtClean="0"/>
-              <a:t>09.05.2021</a:t>
+              <a:t>16.05.2021</a:t>
             </a:fld>
             <a:endParaRPr lang="ru-RU" noProof="0" dirty="0"/>
           </a:p>
@@ -4075,7 +4167,7 @@
             <a:pPr rtl="0"/>
             <a:fld id="{37510823-F23A-4639-B218-6B9BC0CC18D8}" type="datetime1">
               <a:rPr lang="ru-RU" noProof="0" smtClean="0"/>
-              <a:t>09.05.2021</a:t>
+              <a:t>16.05.2021</a:t>
             </a:fld>
             <a:endParaRPr lang="ru-RU" noProof="0" dirty="0"/>
           </a:p>
@@ -4538,7 +4630,7 @@
             <a:pPr rtl="0"/>
             <a:fld id="{355D43D7-3745-4F9A-8694-98B1E0E20033}" type="datetime1">
               <a:rPr lang="ru-RU" noProof="0" smtClean="0"/>
-              <a:t>09.05.2021</a:t>
+              <a:t>16.05.2021</a:t>
             </a:fld>
             <a:endParaRPr lang="ru-RU" noProof="0" dirty="0"/>
           </a:p>
@@ -4922,7 +5014,7 @@
             <a:pPr rtl="0"/>
             <a:fld id="{FE119431-1E6E-4E07-A8B6-073D5DF11CA2}" type="datetime1">
               <a:rPr lang="ru-RU" noProof="0" smtClean="0"/>
-              <a:t>09.05.2021</a:t>
+              <a:t>16.05.2021</a:t>
             </a:fld>
             <a:endParaRPr lang="ru-RU" noProof="0" dirty="0"/>
           </a:p>
@@ -5458,7 +5550,7 @@
                 <a16:creationId xmlns:a16="http://schemas.microsoft.com/office/drawing/2014/main" id="{83E690F4-843A-47A5-8620-4FB01C0D8E68}"/>
               </a:ext>
               <a:ext uri="{C183D7F6-B498-43B3-948B-1728B52AA6E4}">
-                <adec:decorative xmlns="" xmlns:adec="http://schemas.microsoft.com/office/drawing/2017/decorative" val="1"/>
+                <adec:decorative xmlns:adec="http://schemas.microsoft.com/office/drawing/2017/decorative" xmlns="" val="1"/>
               </a:ext>
             </a:extLst>
           </p:cNvPr>
@@ -5507,7 +5599,7 @@
                 <a16:creationId xmlns:a16="http://schemas.microsoft.com/office/drawing/2014/main" id="{D0986099-F5F2-4E8B-BE17-81194861A00C}"/>
               </a:ext>
               <a:ext uri="{C183D7F6-B498-43B3-948B-1728B52AA6E4}">
-                <adec:decorative xmlns="" xmlns:adec="http://schemas.microsoft.com/office/drawing/2017/decorative" val="1"/>
+                <adec:decorative xmlns:adec="http://schemas.microsoft.com/office/drawing/2017/decorative" xmlns="" val="1"/>
               </a:ext>
             </a:extLst>
           </p:cNvPr>
@@ -5627,7 +5719,7 @@
                 <a16:creationId xmlns:a16="http://schemas.microsoft.com/office/drawing/2014/main" id="{D0986099-F5F2-4E8B-BE17-81194861A00C}"/>
               </a:ext>
               <a:ext uri="{C183D7F6-B498-43B3-948B-1728B52AA6E4}">
-                <adec:decorative xmlns="" xmlns:adec="http://schemas.microsoft.com/office/drawing/2017/decorative" val="1"/>
+                <adec:decorative xmlns:adec="http://schemas.microsoft.com/office/drawing/2017/decorative" xmlns="" val="1"/>
               </a:ext>
             </a:extLst>
           </p:cNvPr>
@@ -5676,7 +5768,7 @@
                 <a16:creationId xmlns:a16="http://schemas.microsoft.com/office/drawing/2014/main" id="{83E690F4-843A-47A5-8620-4FB01C0D8E68}"/>
               </a:ext>
               <a:ext uri="{C183D7F6-B498-43B3-948B-1728B52AA6E4}">
-                <adec:decorative xmlns="" xmlns:adec="http://schemas.microsoft.com/office/drawing/2017/decorative" val="1"/>
+                <adec:decorative xmlns:adec="http://schemas.microsoft.com/office/drawing/2017/decorative" xmlns="" val="1"/>
               </a:ext>
             </a:extLst>
           </p:cNvPr>
@@ -5725,7 +5817,7 @@
         </p:nvSpPr>
         <p:spPr>
           <a:xfrm>
-            <a:off x="4351175" y="632925"/>
+            <a:off x="4351174" y="230511"/>
             <a:ext cx="3489673" cy="584775"/>
           </a:xfrm>
           <a:prstGeom prst="rect">
@@ -5757,14 +5849,407 @@
       </p:sp>
       <p:sp>
         <p:nvSpPr>
-          <p:cNvPr id="7" name="TextBox 6"/>
+          <p:cNvPr id="5" name="Овал 4"/>
+          <p:cNvSpPr/>
+          <p:nvPr/>
+        </p:nvSpPr>
+        <p:spPr>
+          <a:xfrm>
+            <a:off x="5303315" y="1385353"/>
+            <a:ext cx="1575787" cy="554166"/>
+          </a:xfrm>
+          <a:prstGeom prst="ellipse">
+            <a:avLst/>
+          </a:prstGeom>
+          <a:noFill/>
+        </p:spPr>
+        <p:style>
+          <a:lnRef idx="2">
+            <a:schemeClr val="accent1">
+              <a:shade val="50000"/>
+            </a:schemeClr>
+          </a:lnRef>
+          <a:fillRef idx="1">
+            <a:schemeClr val="accent1"/>
+          </a:fillRef>
+          <a:effectRef idx="0">
+            <a:schemeClr val="accent1"/>
+          </a:effectRef>
+          <a:fontRef idx="minor">
+            <a:schemeClr val="lt1"/>
+          </a:fontRef>
+        </p:style>
+        <p:txBody>
+          <a:bodyPr rtlCol="0" anchor="ctr"/>
+          <a:lstStyle/>
+          <a:p>
+            <a:pPr algn="ctr"/>
+            <a:endParaRPr lang="ru-RU">
+              <a:ln>
+                <a:solidFill>
+                  <a:schemeClr val="tx1"/>
+                </a:solidFill>
+              </a:ln>
+              <a:noFill/>
+            </a:endParaRPr>
+          </a:p>
+        </p:txBody>
+      </p:sp>
+      <p:sp>
+        <p:nvSpPr>
+          <p:cNvPr id="9" name="TextBox 8"/>
           <p:cNvSpPr txBox="1"/>
           <p:nvPr/>
         </p:nvSpPr>
         <p:spPr>
           <a:xfrm>
-            <a:off x="2246991" y="2099925"/>
-            <a:ext cx="7698040" cy="1477328"/>
+            <a:off x="5651023" y="1477770"/>
+            <a:ext cx="897233" cy="369332"/>
+          </a:xfrm>
+          <a:prstGeom prst="rect">
+            <a:avLst/>
+          </a:prstGeom>
+          <a:noFill/>
+        </p:spPr>
+        <p:txBody>
+          <a:bodyPr wrap="none" rtlCol="0">
+            <a:spAutoFit/>
+          </a:bodyPr>
+          <a:lstStyle/>
+          <a:p>
+            <a:r>
+              <a:rPr lang="en-US" dirty="0">
+                <a:latin typeface="Arial Rounded MT Bold" panose="020F0704030504030204" pitchFamily="34" charset="0"/>
+              </a:rPr>
+              <a:t>r</a:t>
+            </a:r>
+            <a:r>
+              <a:rPr lang="en-US" dirty="0" smtClean="0">
+                <a:latin typeface="Arial Rounded MT Bold" panose="020F0704030504030204" pitchFamily="34" charset="0"/>
+              </a:rPr>
+              <a:t>un.py</a:t>
+            </a:r>
+            <a:endParaRPr lang="ru-RU" dirty="0"/>
+          </a:p>
+        </p:txBody>
+      </p:sp>
+      <p:cxnSp>
+        <p:nvCxnSpPr>
+          <p:cNvPr id="11" name="Прямая соединительная линия 10"/>
+          <p:cNvCxnSpPr>
+            <a:stCxn id="5" idx="4"/>
+          </p:cNvCxnSpPr>
+          <p:nvPr/>
+        </p:nvCxnSpPr>
+        <p:spPr>
+          <a:xfrm flipH="1">
+            <a:off x="6091207" y="1939519"/>
+            <a:ext cx="2" cy="492401"/>
+          </a:xfrm>
+          <a:prstGeom prst="line">
+            <a:avLst/>
+          </a:prstGeom>
+        </p:spPr>
+        <p:style>
+          <a:lnRef idx="1">
+            <a:schemeClr val="accent1"/>
+          </a:lnRef>
+          <a:fillRef idx="0">
+            <a:schemeClr val="accent1"/>
+          </a:fillRef>
+          <a:effectRef idx="0">
+            <a:schemeClr val="accent1"/>
+          </a:effectRef>
+          <a:fontRef idx="minor">
+            <a:schemeClr val="tx1"/>
+          </a:fontRef>
+        </p:style>
+      </p:cxnSp>
+      <p:sp>
+        <p:nvSpPr>
+          <p:cNvPr id="12" name="Ромб 11"/>
+          <p:cNvSpPr/>
+          <p:nvPr/>
+        </p:nvSpPr>
+        <p:spPr>
+          <a:xfrm>
+            <a:off x="5176807" y="2432847"/>
+            <a:ext cx="1828800" cy="725983"/>
+          </a:xfrm>
+          <a:prstGeom prst="diamond">
+            <a:avLst/>
+          </a:prstGeom>
+          <a:noFill/>
+        </p:spPr>
+        <p:style>
+          <a:lnRef idx="2">
+            <a:schemeClr val="accent1">
+              <a:shade val="50000"/>
+            </a:schemeClr>
+          </a:lnRef>
+          <a:fillRef idx="1">
+            <a:schemeClr val="accent1"/>
+          </a:fillRef>
+          <a:effectRef idx="0">
+            <a:schemeClr val="accent1"/>
+          </a:effectRef>
+          <a:fontRef idx="minor">
+            <a:schemeClr val="lt1"/>
+          </a:fontRef>
+        </p:style>
+        <p:txBody>
+          <a:bodyPr rtlCol="0" anchor="ctr"/>
+          <a:lstStyle/>
+          <a:p>
+            <a:pPr algn="ctr"/>
+            <a:endParaRPr lang="ru-RU"/>
+          </a:p>
+        </p:txBody>
+      </p:sp>
+      <p:sp>
+        <p:nvSpPr>
+          <p:cNvPr id="15" name="TextBox 14"/>
+          <p:cNvSpPr txBox="1"/>
+          <p:nvPr/>
+        </p:nvSpPr>
+        <p:spPr>
+          <a:xfrm>
+            <a:off x="5576482" y="2611172"/>
+            <a:ext cx="957250" cy="369332"/>
+          </a:xfrm>
+          <a:prstGeom prst="rect">
+            <a:avLst/>
+          </a:prstGeom>
+          <a:noFill/>
+        </p:spPr>
+        <p:txBody>
+          <a:bodyPr wrap="none" rtlCol="0">
+            <a:spAutoFit/>
+          </a:bodyPr>
+          <a:lstStyle/>
+          <a:p>
+            <a:r>
+              <a:rPr lang="en-US" dirty="0" err="1">
+                <a:latin typeface="Arial Rounded MT Bold" panose="020F0704030504030204" pitchFamily="34" charset="0"/>
+              </a:rPr>
+              <a:t>p</a:t>
+            </a:r>
+            <a:r>
+              <a:rPr lang="en-US" dirty="0" err="1" smtClean="0">
+                <a:latin typeface="Arial Rounded MT Bold" panose="020F0704030504030204" pitchFamily="34" charset="0"/>
+              </a:rPr>
+              <a:t>ep.db</a:t>
+            </a:r>
+            <a:endParaRPr lang="ru-RU" dirty="0"/>
+          </a:p>
+        </p:txBody>
+      </p:sp>
+      <p:cxnSp>
+        <p:nvCxnSpPr>
+          <p:cNvPr id="17" name="Прямая соединительная линия 16"/>
+          <p:cNvCxnSpPr>
+            <a:stCxn id="12" idx="1"/>
+          </p:cNvCxnSpPr>
+          <p:nvPr/>
+        </p:nvCxnSpPr>
+        <p:spPr>
+          <a:xfrm flipH="1" flipV="1">
+            <a:off x="4515729" y="2795838"/>
+            <a:ext cx="661078" cy="1"/>
+          </a:xfrm>
+          <a:prstGeom prst="line">
+            <a:avLst/>
+          </a:prstGeom>
+        </p:spPr>
+        <p:style>
+          <a:lnRef idx="1">
+            <a:schemeClr val="accent1"/>
+          </a:lnRef>
+          <a:fillRef idx="0">
+            <a:schemeClr val="accent1"/>
+          </a:fillRef>
+          <a:effectRef idx="0">
+            <a:schemeClr val="accent1"/>
+          </a:effectRef>
+          <a:fontRef idx="minor">
+            <a:schemeClr val="tx1"/>
+          </a:fontRef>
+        </p:style>
+      </p:cxnSp>
+      <p:cxnSp>
+        <p:nvCxnSpPr>
+          <p:cNvPr id="20" name="Прямая соединительная линия 19"/>
+          <p:cNvCxnSpPr/>
+          <p:nvPr/>
+        </p:nvCxnSpPr>
+        <p:spPr>
+          <a:xfrm flipH="1" flipV="1">
+            <a:off x="7005607" y="2795838"/>
+            <a:ext cx="1462936" cy="1"/>
+          </a:xfrm>
+          <a:prstGeom prst="line">
+            <a:avLst/>
+          </a:prstGeom>
+        </p:spPr>
+        <p:style>
+          <a:lnRef idx="1">
+            <a:schemeClr val="accent1"/>
+          </a:lnRef>
+          <a:fillRef idx="0">
+            <a:schemeClr val="accent1"/>
+          </a:fillRef>
+          <a:effectRef idx="0">
+            <a:schemeClr val="accent1"/>
+          </a:effectRef>
+          <a:fontRef idx="minor">
+            <a:schemeClr val="tx1"/>
+          </a:fontRef>
+        </p:style>
+      </p:cxnSp>
+      <p:sp>
+        <p:nvSpPr>
+          <p:cNvPr id="18" name="Прямоугольник 17"/>
+          <p:cNvSpPr/>
+          <p:nvPr/>
+        </p:nvSpPr>
+        <p:spPr>
+          <a:xfrm>
+            <a:off x="1066257" y="2185719"/>
+            <a:ext cx="2678638" cy="2667636"/>
+          </a:xfrm>
+          <a:prstGeom prst="rect">
+            <a:avLst/>
+          </a:prstGeom>
+          <a:noFill/>
+        </p:spPr>
+        <p:style>
+          <a:lnRef idx="2">
+            <a:schemeClr val="accent1">
+              <a:shade val="50000"/>
+            </a:schemeClr>
+          </a:lnRef>
+          <a:fillRef idx="1">
+            <a:schemeClr val="accent1"/>
+          </a:fillRef>
+          <a:effectRef idx="0">
+            <a:schemeClr val="accent1"/>
+          </a:effectRef>
+          <a:fontRef idx="minor">
+            <a:schemeClr val="lt1"/>
+          </a:fontRef>
+        </p:style>
+        <p:txBody>
+          <a:bodyPr rtlCol="0" anchor="ctr"/>
+          <a:lstStyle/>
+          <a:p>
+            <a:pPr algn="ctr"/>
+            <a:endParaRPr lang="ru-RU" dirty="0"/>
+          </a:p>
+        </p:txBody>
+      </p:sp>
+      <p:cxnSp>
+        <p:nvCxnSpPr>
+          <p:cNvPr id="23" name="Прямая соединительная линия 22"/>
+          <p:cNvCxnSpPr/>
+          <p:nvPr/>
+        </p:nvCxnSpPr>
+        <p:spPr>
+          <a:xfrm flipV="1">
+            <a:off x="4512093" y="1669390"/>
+            <a:ext cx="0" cy="1133402"/>
+          </a:xfrm>
+          <a:prstGeom prst="line">
+            <a:avLst/>
+          </a:prstGeom>
+        </p:spPr>
+        <p:style>
+          <a:lnRef idx="1">
+            <a:schemeClr val="accent1"/>
+          </a:lnRef>
+          <a:fillRef idx="0">
+            <a:schemeClr val="accent1"/>
+          </a:fillRef>
+          <a:effectRef idx="0">
+            <a:schemeClr val="accent1"/>
+          </a:effectRef>
+          <a:fontRef idx="minor">
+            <a:schemeClr val="tx1"/>
+          </a:fontRef>
+        </p:style>
+      </p:cxnSp>
+      <p:cxnSp>
+        <p:nvCxnSpPr>
+          <p:cNvPr id="25" name="Прямая соединительная линия 24"/>
+          <p:cNvCxnSpPr/>
+          <p:nvPr/>
+        </p:nvCxnSpPr>
+        <p:spPr>
+          <a:xfrm flipH="1">
+            <a:off x="2405576" y="1662436"/>
+            <a:ext cx="2110153" cy="0"/>
+          </a:xfrm>
+          <a:prstGeom prst="line">
+            <a:avLst/>
+          </a:prstGeom>
+        </p:spPr>
+        <p:style>
+          <a:lnRef idx="1">
+            <a:schemeClr val="accent1"/>
+          </a:lnRef>
+          <a:fillRef idx="0">
+            <a:schemeClr val="accent1"/>
+          </a:fillRef>
+          <a:effectRef idx="0">
+            <a:schemeClr val="accent1"/>
+          </a:effectRef>
+          <a:fontRef idx="minor">
+            <a:schemeClr val="tx1"/>
+          </a:fontRef>
+        </p:style>
+      </p:cxnSp>
+      <p:cxnSp>
+        <p:nvCxnSpPr>
+          <p:cNvPr id="27" name="Прямая со стрелкой 26"/>
+          <p:cNvCxnSpPr/>
+          <p:nvPr/>
+        </p:nvCxnSpPr>
+        <p:spPr>
+          <a:xfrm>
+            <a:off x="2405576" y="1662436"/>
+            <a:ext cx="0" cy="523283"/>
+          </a:xfrm>
+          <a:prstGeom prst="straightConnector1">
+            <a:avLst/>
+          </a:prstGeom>
+          <a:ln>
+            <a:tailEnd type="triangle"/>
+          </a:ln>
+        </p:spPr>
+        <p:style>
+          <a:lnRef idx="1">
+            <a:schemeClr val="accent1"/>
+          </a:lnRef>
+          <a:fillRef idx="0">
+            <a:schemeClr val="accent1"/>
+          </a:fillRef>
+          <a:effectRef idx="0">
+            <a:schemeClr val="accent1"/>
+          </a:effectRef>
+          <a:fontRef idx="minor">
+            <a:schemeClr val="tx1"/>
+          </a:fontRef>
+        </p:style>
+      </p:cxnSp>
+      <p:sp>
+        <p:nvSpPr>
+          <p:cNvPr id="29" name="TextBox 28"/>
+          <p:cNvSpPr txBox="1"/>
+          <p:nvPr/>
+        </p:nvSpPr>
+        <p:spPr>
+          <a:xfrm>
+            <a:off x="1086000" y="2185719"/>
+            <a:ext cx="2703984" cy="2923877"/>
           </a:xfrm>
           <a:prstGeom prst="rect">
             <a:avLst/>
@@ -5777,80 +6262,693 @@
           </a:bodyPr>
           <a:lstStyle/>
           <a:p>
-            <a:pPr marL="457200" indent="-457200">
-              <a:lnSpc>
-                <a:spcPct val="150000"/>
-              </a:lnSpc>
-              <a:buFont typeface="+mj-lt"/>
-              <a:buAutoNum type="arabicPeriod"/>
+            <a:pPr marL="285750" indent="-285750">
+              <a:buFont typeface="Arial" panose="020B0604020202020204" pitchFamily="34" charset="0"/>
+              <a:buChar char="•"/>
             </a:pPr>
             <a:r>
-              <a:rPr lang="en-US" sz="2400" dirty="0" smtClean="0">
-                <a:latin typeface="Yu Gothic Medium" panose="020B0500000000000000" pitchFamily="34" charset="-128"/>
-                <a:ea typeface="Yu Gothic Medium" panose="020B0500000000000000" pitchFamily="34" charset="-128"/>
+              <a:rPr lang="en-US" sz="1600" dirty="0" smtClean="0">
+                <a:latin typeface="Arial Rounded MT Bold" panose="020F0704030504030204" pitchFamily="34" charset="0"/>
               </a:rPr>
-              <a:t>Run </a:t>
-            </a:r>
-            <a:r>
-              <a:rPr lang="en-US" sz="2400" b="1" dirty="0" smtClean="0">
+              <a:t>Create database</a:t>
+            </a:r>
+          </a:p>
+          <a:p>
+            <a:pPr marL="285750" indent="-285750">
+              <a:buFont typeface="Arial" panose="020B0604020202020204" pitchFamily="34" charset="0"/>
+              <a:buChar char="•"/>
+            </a:pPr>
+            <a:r>
+              <a:rPr lang="en-US" sz="1600" dirty="0" smtClean="0">
+                <a:latin typeface="Arial Rounded MT Bold" panose="020F0704030504030204" pitchFamily="34" charset="0"/>
+              </a:rPr>
+              <a:t>Iterate into each pep using generator</a:t>
+            </a:r>
+          </a:p>
+          <a:p>
+            <a:pPr marL="285750" indent="-285750">
+              <a:buFont typeface="Arial" panose="020B0604020202020204" pitchFamily="34" charset="0"/>
+              <a:buChar char="•"/>
+            </a:pPr>
+            <a:r>
+              <a:rPr lang="en-US" sz="1600" dirty="0" smtClean="0">
+                <a:latin typeface="Arial Rounded MT Bold" panose="020F0704030504030204" pitchFamily="34" charset="0"/>
+              </a:rPr>
+              <a:t>Save pep information into </a:t>
+            </a:r>
+            <a:r>
+              <a:rPr lang="en-US" sz="1600" dirty="0" err="1" smtClean="0">
+                <a:latin typeface="Arial Rounded MT Bold" panose="020F0704030504030204" pitchFamily="34" charset="0"/>
+              </a:rPr>
+              <a:t>db</a:t>
+            </a:r>
+            <a:endParaRPr lang="en-US" sz="1600" dirty="0" smtClean="0">
+              <a:latin typeface="Arial Rounded MT Bold" panose="020F0704030504030204" pitchFamily="34" charset="0"/>
+            </a:endParaRPr>
+          </a:p>
+          <a:p>
+            <a:pPr marL="285750" indent="-285750">
+              <a:buFont typeface="Arial" panose="020B0604020202020204" pitchFamily="34" charset="0"/>
+              <a:buChar char="•"/>
+            </a:pPr>
+            <a:r>
+              <a:rPr lang="en-US" sz="1600" dirty="0" smtClean="0">
+                <a:latin typeface="Arial Rounded MT Bold" panose="020F0704030504030204" pitchFamily="34" charset="0"/>
+              </a:rPr>
+              <a:t>Append new peps into list</a:t>
+            </a:r>
+          </a:p>
+          <a:p>
+            <a:pPr marL="285750" indent="-285750">
+              <a:buFont typeface="Arial" panose="020B0604020202020204" pitchFamily="34" charset="0"/>
+              <a:buChar char="•"/>
+            </a:pPr>
+            <a:r>
+              <a:rPr lang="en-US" sz="1600" dirty="0" smtClean="0">
+                <a:latin typeface="Arial Rounded MT Bold" panose="020F0704030504030204" pitchFamily="34" charset="0"/>
+              </a:rPr>
+              <a:t>Get users list</a:t>
+            </a:r>
+          </a:p>
+          <a:p>
+            <a:pPr marL="285750" indent="-285750">
+              <a:buFont typeface="Arial" panose="020B0604020202020204" pitchFamily="34" charset="0"/>
+              <a:buChar char="•"/>
+            </a:pPr>
+            <a:r>
+              <a:rPr lang="en-US" sz="1600" dirty="0" smtClean="0">
+                <a:latin typeface="Arial Rounded MT Bold" panose="020F0704030504030204" pitchFamily="34" charset="0"/>
+              </a:rPr>
+              <a:t>Send email about new peps to users</a:t>
+            </a:r>
+          </a:p>
+          <a:p>
+            <a:endParaRPr lang="ru-RU" dirty="0"/>
+          </a:p>
+        </p:txBody>
+      </p:sp>
+      <p:cxnSp>
+        <p:nvCxnSpPr>
+          <p:cNvPr id="31" name="Прямая со стрелкой 30"/>
+          <p:cNvCxnSpPr>
+            <a:stCxn id="5" idx="4"/>
+            <a:endCxn id="12" idx="0"/>
+          </p:cNvCxnSpPr>
+          <p:nvPr/>
+        </p:nvCxnSpPr>
+        <p:spPr>
+          <a:xfrm flipH="1">
+            <a:off x="6091207" y="1939519"/>
+            <a:ext cx="2" cy="493328"/>
+          </a:xfrm>
+          <a:prstGeom prst="straightConnector1">
+            <a:avLst/>
+          </a:prstGeom>
+          <a:ln>
+            <a:tailEnd type="triangle"/>
+          </a:ln>
+        </p:spPr>
+        <p:style>
+          <a:lnRef idx="1">
+            <a:schemeClr val="accent1"/>
+          </a:lnRef>
+          <a:fillRef idx="0">
+            <a:schemeClr val="accent1"/>
+          </a:fillRef>
+          <a:effectRef idx="0">
+            <a:schemeClr val="accent1"/>
+          </a:effectRef>
+          <a:fontRef idx="minor">
+            <a:schemeClr val="tx1"/>
+          </a:fontRef>
+        </p:style>
+      </p:cxnSp>
+      <p:cxnSp>
+        <p:nvCxnSpPr>
+          <p:cNvPr id="35" name="Прямая соединительная линия 34"/>
+          <p:cNvCxnSpPr/>
+          <p:nvPr/>
+        </p:nvCxnSpPr>
+        <p:spPr>
+          <a:xfrm>
+            <a:off x="2405576" y="4853355"/>
+            <a:ext cx="0" cy="288000"/>
+          </a:xfrm>
+          <a:prstGeom prst="line">
+            <a:avLst/>
+          </a:prstGeom>
+        </p:spPr>
+        <p:style>
+          <a:lnRef idx="1">
+            <a:schemeClr val="accent1"/>
+          </a:lnRef>
+          <a:fillRef idx="0">
+            <a:schemeClr val="accent1"/>
+          </a:fillRef>
+          <a:effectRef idx="0">
+            <a:schemeClr val="accent1"/>
+          </a:effectRef>
+          <a:fontRef idx="minor">
+            <a:schemeClr val="tx1"/>
+          </a:fontRef>
+        </p:style>
+      </p:cxnSp>
+      <p:cxnSp>
+        <p:nvCxnSpPr>
+          <p:cNvPr id="37" name="Прямая соединительная линия 36"/>
+          <p:cNvCxnSpPr/>
+          <p:nvPr/>
+        </p:nvCxnSpPr>
+        <p:spPr>
+          <a:xfrm>
+            <a:off x="2410149" y="5138095"/>
+            <a:ext cx="2064312" cy="0"/>
+          </a:xfrm>
+          <a:prstGeom prst="line">
+            <a:avLst/>
+          </a:prstGeom>
+        </p:spPr>
+        <p:style>
+          <a:lnRef idx="1">
+            <a:schemeClr val="accent1"/>
+          </a:lnRef>
+          <a:fillRef idx="0">
+            <a:schemeClr val="accent1"/>
+          </a:fillRef>
+          <a:effectRef idx="0">
+            <a:schemeClr val="accent1"/>
+          </a:effectRef>
+          <a:fontRef idx="minor">
+            <a:schemeClr val="tx1"/>
+          </a:fontRef>
+        </p:style>
+      </p:cxnSp>
+      <p:cxnSp>
+        <p:nvCxnSpPr>
+          <p:cNvPr id="39" name="Прямая соединительная линия 38"/>
+          <p:cNvCxnSpPr/>
+          <p:nvPr/>
+        </p:nvCxnSpPr>
+        <p:spPr>
+          <a:xfrm flipV="1">
+            <a:off x="4476237" y="3633694"/>
+            <a:ext cx="0" cy="1507661"/>
+          </a:xfrm>
+          <a:prstGeom prst="line">
+            <a:avLst/>
+          </a:prstGeom>
+        </p:spPr>
+        <p:style>
+          <a:lnRef idx="1">
+            <a:schemeClr val="accent1"/>
+          </a:lnRef>
+          <a:fillRef idx="0">
+            <a:schemeClr val="accent1"/>
+          </a:fillRef>
+          <a:effectRef idx="0">
+            <a:schemeClr val="accent1"/>
+          </a:effectRef>
+          <a:fontRef idx="minor">
+            <a:schemeClr val="tx1"/>
+          </a:fontRef>
+        </p:style>
+      </p:cxnSp>
+      <p:cxnSp>
+        <p:nvCxnSpPr>
+          <p:cNvPr id="43" name="Прямая со стрелкой 42"/>
+          <p:cNvCxnSpPr>
+            <a:endCxn id="61" idx="2"/>
+          </p:cNvCxnSpPr>
+          <p:nvPr/>
+        </p:nvCxnSpPr>
+        <p:spPr>
+          <a:xfrm>
+            <a:off x="4474461" y="3633694"/>
+            <a:ext cx="1467334" cy="0"/>
+          </a:xfrm>
+          <a:prstGeom prst="straightConnector1">
+            <a:avLst/>
+          </a:prstGeom>
+          <a:ln>
+            <a:tailEnd type="triangle"/>
+          </a:ln>
+        </p:spPr>
+        <p:style>
+          <a:lnRef idx="1">
+            <a:schemeClr val="accent1"/>
+          </a:lnRef>
+          <a:fillRef idx="0">
+            <a:schemeClr val="accent1"/>
+          </a:fillRef>
+          <a:effectRef idx="0">
+            <a:schemeClr val="accent1"/>
+          </a:effectRef>
+          <a:fontRef idx="minor">
+            <a:schemeClr val="tx1"/>
+          </a:fontRef>
+        </p:style>
+      </p:cxnSp>
+      <p:cxnSp>
+        <p:nvCxnSpPr>
+          <p:cNvPr id="51" name="Прямая соединительная линия 50"/>
+          <p:cNvCxnSpPr/>
+          <p:nvPr/>
+        </p:nvCxnSpPr>
+        <p:spPr>
+          <a:xfrm>
+            <a:off x="8468543" y="2795838"/>
+            <a:ext cx="0" cy="837856"/>
+          </a:xfrm>
+          <a:prstGeom prst="line">
+            <a:avLst/>
+          </a:prstGeom>
+        </p:spPr>
+        <p:style>
+          <a:lnRef idx="1">
+            <a:schemeClr val="accent1"/>
+          </a:lnRef>
+          <a:fillRef idx="0">
+            <a:schemeClr val="accent1"/>
+          </a:fillRef>
+          <a:effectRef idx="0">
+            <a:schemeClr val="accent1"/>
+          </a:effectRef>
+          <a:fontRef idx="minor">
+            <a:schemeClr val="tx1"/>
+          </a:fontRef>
+        </p:style>
+      </p:cxnSp>
+      <p:cxnSp>
+        <p:nvCxnSpPr>
+          <p:cNvPr id="55" name="Прямая со стрелкой 54"/>
+          <p:cNvCxnSpPr>
+            <a:endCxn id="61" idx="6"/>
+          </p:cNvCxnSpPr>
+          <p:nvPr/>
+        </p:nvCxnSpPr>
+        <p:spPr>
+          <a:xfrm flipH="1">
+            <a:off x="6240618" y="3633694"/>
+            <a:ext cx="2227926" cy="0"/>
+          </a:xfrm>
+          <a:prstGeom prst="straightConnector1">
+            <a:avLst/>
+          </a:prstGeom>
+          <a:ln>
+            <a:tailEnd type="triangle"/>
+          </a:ln>
+        </p:spPr>
+        <p:style>
+          <a:lnRef idx="1">
+            <a:schemeClr val="accent1"/>
+          </a:lnRef>
+          <a:fillRef idx="0">
+            <a:schemeClr val="accent1"/>
+          </a:fillRef>
+          <a:effectRef idx="0">
+            <a:schemeClr val="accent1"/>
+          </a:effectRef>
+          <a:fontRef idx="minor">
+            <a:schemeClr val="tx1"/>
+          </a:fontRef>
+        </p:style>
+      </p:cxnSp>
+      <p:sp>
+        <p:nvSpPr>
+          <p:cNvPr id="61" name="Овал 60"/>
+          <p:cNvSpPr/>
+          <p:nvPr/>
+        </p:nvSpPr>
+        <p:spPr>
+          <a:xfrm>
+            <a:off x="5941795" y="3484282"/>
+            <a:ext cx="298823" cy="298823"/>
+          </a:xfrm>
+          <a:prstGeom prst="ellipse">
+            <a:avLst/>
+          </a:prstGeom>
+          <a:noFill/>
+        </p:spPr>
+        <p:style>
+          <a:lnRef idx="2">
+            <a:schemeClr val="accent1">
+              <a:shade val="50000"/>
+            </a:schemeClr>
+          </a:lnRef>
+          <a:fillRef idx="1">
+            <a:schemeClr val="accent1"/>
+          </a:fillRef>
+          <a:effectRef idx="0">
+            <a:schemeClr val="accent1"/>
+          </a:effectRef>
+          <a:fontRef idx="minor">
+            <a:schemeClr val="lt1"/>
+          </a:fontRef>
+        </p:style>
+        <p:txBody>
+          <a:bodyPr rtlCol="0" anchor="ctr"/>
+          <a:lstStyle/>
+          <a:p>
+            <a:pPr algn="ctr"/>
+            <a:endParaRPr lang="ru-RU"/>
+          </a:p>
+        </p:txBody>
+      </p:sp>
+      <p:cxnSp>
+        <p:nvCxnSpPr>
+          <p:cNvPr id="66" name="Прямая со стрелкой 65"/>
+          <p:cNvCxnSpPr>
+            <a:stCxn id="61" idx="4"/>
+          </p:cNvCxnSpPr>
+          <p:nvPr/>
+        </p:nvCxnSpPr>
+        <p:spPr>
+          <a:xfrm>
+            <a:off x="6091207" y="3783105"/>
+            <a:ext cx="8432" cy="354822"/>
+          </a:xfrm>
+          <a:prstGeom prst="straightConnector1">
+            <a:avLst/>
+          </a:prstGeom>
+          <a:ln>
+            <a:tailEnd type="triangle"/>
+          </a:ln>
+        </p:spPr>
+        <p:style>
+          <a:lnRef idx="1">
+            <a:schemeClr val="accent1"/>
+          </a:lnRef>
+          <a:fillRef idx="0">
+            <a:schemeClr val="accent1"/>
+          </a:fillRef>
+          <a:effectRef idx="0">
+            <a:schemeClr val="accent1"/>
+          </a:effectRef>
+          <a:fontRef idx="minor">
+            <a:schemeClr val="tx1"/>
+          </a:fontRef>
+        </p:style>
+      </p:cxnSp>
+      <p:sp>
+        <p:nvSpPr>
+          <p:cNvPr id="67" name="Прямоугольник 66"/>
+          <p:cNvSpPr/>
+          <p:nvPr/>
+        </p:nvSpPr>
+        <p:spPr>
+          <a:xfrm>
+            <a:off x="4759731" y="4145659"/>
+            <a:ext cx="2679815" cy="830105"/>
+          </a:xfrm>
+          <a:prstGeom prst="rect">
+            <a:avLst/>
+          </a:prstGeom>
+          <a:noFill/>
+        </p:spPr>
+        <p:style>
+          <a:lnRef idx="2">
+            <a:schemeClr val="accent1">
+              <a:shade val="50000"/>
+            </a:schemeClr>
+          </a:lnRef>
+          <a:fillRef idx="1">
+            <a:schemeClr val="accent1"/>
+          </a:fillRef>
+          <a:effectRef idx="0">
+            <a:schemeClr val="accent1"/>
+          </a:effectRef>
+          <a:fontRef idx="minor">
+            <a:schemeClr val="lt1"/>
+          </a:fontRef>
+        </p:style>
+        <p:txBody>
+          <a:bodyPr rtlCol="0" anchor="ctr"/>
+          <a:lstStyle/>
+          <a:p>
+            <a:pPr algn="ctr"/>
+            <a:endParaRPr lang="ru-RU"/>
+          </a:p>
+        </p:txBody>
+      </p:sp>
+      <p:sp>
+        <p:nvSpPr>
+          <p:cNvPr id="69" name="TextBox 68"/>
+          <p:cNvSpPr txBox="1"/>
+          <p:nvPr/>
+        </p:nvSpPr>
+        <p:spPr>
+          <a:xfrm>
+            <a:off x="4771707" y="4154572"/>
+            <a:ext cx="2953507" cy="1077218"/>
+          </a:xfrm>
+          <a:prstGeom prst="rect">
+            <a:avLst/>
+          </a:prstGeom>
+          <a:noFill/>
+        </p:spPr>
+        <p:txBody>
+          <a:bodyPr wrap="square" rtlCol="0">
+            <a:spAutoFit/>
+          </a:bodyPr>
+          <a:lstStyle/>
+          <a:p>
+            <a:r>
+              <a:rPr lang="en-US" sz="1600" dirty="0" smtClean="0">
+                <a:latin typeface="Arial Rounded MT Bold" panose="020F0704030504030204" pitchFamily="34" charset="0"/>
+              </a:rPr>
+              <a:t>Background Scheduler</a:t>
+            </a:r>
+            <a:endParaRPr lang="en-US" sz="1600" dirty="0">
+              <a:latin typeface="Arial Rounded MT Bold" panose="020F0704030504030204" pitchFamily="34" charset="0"/>
+            </a:endParaRPr>
+          </a:p>
+          <a:p>
+            <a:r>
+              <a:rPr lang="en-US" sz="1600" dirty="0" smtClean="0">
+                <a:latin typeface="Arial Rounded MT Bold" panose="020F0704030504030204" pitchFamily="34" charset="0"/>
+              </a:rPr>
+              <a:t>Function: block #1</a:t>
+            </a:r>
+          </a:p>
+          <a:p>
+            <a:r>
+              <a:rPr lang="en-US" sz="1600" dirty="0" smtClean="0">
+                <a:latin typeface="Arial Rounded MT Bold" panose="020F0704030504030204" pitchFamily="34" charset="0"/>
+              </a:rPr>
+              <a:t>Interval: 1 week</a:t>
+            </a:r>
+          </a:p>
+          <a:p>
+            <a:endParaRPr lang="ru-RU" sz="1600" dirty="0"/>
+          </a:p>
+        </p:txBody>
+      </p:sp>
+      <p:cxnSp>
+        <p:nvCxnSpPr>
+          <p:cNvPr id="72" name="Прямая со стрелкой 71"/>
+          <p:cNvCxnSpPr/>
+          <p:nvPr/>
+        </p:nvCxnSpPr>
+        <p:spPr>
+          <a:xfrm>
+            <a:off x="6099638" y="4969910"/>
+            <a:ext cx="8432" cy="354822"/>
+          </a:xfrm>
+          <a:prstGeom prst="straightConnector1">
+            <a:avLst/>
+          </a:prstGeom>
+          <a:ln>
+            <a:tailEnd type="triangle"/>
+          </a:ln>
+        </p:spPr>
+        <p:style>
+          <a:lnRef idx="1">
+            <a:schemeClr val="accent1"/>
+          </a:lnRef>
+          <a:fillRef idx="0">
+            <a:schemeClr val="accent1"/>
+          </a:fillRef>
+          <a:effectRef idx="0">
+            <a:schemeClr val="accent1"/>
+          </a:effectRef>
+          <a:fontRef idx="minor">
+            <a:schemeClr val="tx1"/>
+          </a:fontRef>
+        </p:style>
+      </p:cxnSp>
+      <p:sp>
+        <p:nvSpPr>
+          <p:cNvPr id="73" name="Овал 72"/>
+          <p:cNvSpPr/>
+          <p:nvPr/>
+        </p:nvSpPr>
+        <p:spPr>
+          <a:xfrm>
+            <a:off x="5320176" y="5330282"/>
+            <a:ext cx="1575787" cy="554166"/>
+          </a:xfrm>
+          <a:prstGeom prst="ellipse">
+            <a:avLst/>
+          </a:prstGeom>
+          <a:noFill/>
+        </p:spPr>
+        <p:style>
+          <a:lnRef idx="2">
+            <a:schemeClr val="accent1">
+              <a:shade val="50000"/>
+            </a:schemeClr>
+          </a:lnRef>
+          <a:fillRef idx="1">
+            <a:schemeClr val="accent1"/>
+          </a:fillRef>
+          <a:effectRef idx="0">
+            <a:schemeClr val="accent1"/>
+          </a:effectRef>
+          <a:fontRef idx="minor">
+            <a:schemeClr val="lt1"/>
+          </a:fontRef>
+        </p:style>
+        <p:txBody>
+          <a:bodyPr rtlCol="0" anchor="ctr"/>
+          <a:lstStyle/>
+          <a:p>
+            <a:pPr algn="ctr"/>
+            <a:endParaRPr lang="ru-RU">
+              <a:ln>
                 <a:solidFill>
-                  <a:schemeClr val="accent3">
-                    <a:lumMod val="50000"/>
-                  </a:schemeClr>
+                  <a:schemeClr val="tx1"/>
                 </a:solidFill>
-                <a:latin typeface="Yu Gothic Medium" panose="020B0500000000000000" pitchFamily="34" charset="-128"/>
-                <a:ea typeface="Yu Gothic Medium" panose="020B0500000000000000" pitchFamily="34" charset="-128"/>
+              </a:ln>
+              <a:noFill/>
+            </a:endParaRPr>
+          </a:p>
+        </p:txBody>
+      </p:sp>
+      <p:sp>
+        <p:nvSpPr>
+          <p:cNvPr id="74" name="TextBox 73"/>
+          <p:cNvSpPr txBox="1"/>
+          <p:nvPr/>
+        </p:nvSpPr>
+        <p:spPr>
+          <a:xfrm>
+            <a:off x="5583965" y="5421770"/>
+            <a:ext cx="1085554" cy="369332"/>
+          </a:xfrm>
+          <a:prstGeom prst="rect">
+            <a:avLst/>
+          </a:prstGeom>
+          <a:noFill/>
+        </p:spPr>
+        <p:txBody>
+          <a:bodyPr wrap="none" rtlCol="0">
+            <a:spAutoFit/>
+          </a:bodyPr>
+          <a:lstStyle/>
+          <a:p>
+            <a:r>
+              <a:rPr lang="en-US" dirty="0" smtClean="0">
+                <a:latin typeface="Arial Rounded MT Bold" panose="020F0704030504030204" pitchFamily="34" charset="0"/>
               </a:rPr>
-              <a:t>“run.py” </a:t>
-            </a:r>
-            <a:r>
-              <a:rPr lang="en-US" sz="2400" dirty="0" smtClean="0">
-                <a:latin typeface="Yu Gothic Medium" panose="020B0500000000000000" pitchFamily="34" charset="-128"/>
-                <a:ea typeface="Yu Gothic Medium" panose="020B0500000000000000" pitchFamily="34" charset="-128"/>
+              <a:t>App run</a:t>
+            </a:r>
+            <a:endParaRPr lang="ru-RU" dirty="0"/>
+          </a:p>
+        </p:txBody>
+      </p:sp>
+      <p:sp>
+        <p:nvSpPr>
+          <p:cNvPr id="75" name="TextBox 74"/>
+          <p:cNvSpPr txBox="1"/>
+          <p:nvPr/>
+        </p:nvSpPr>
+        <p:spPr>
+          <a:xfrm>
+            <a:off x="1062622" y="1820175"/>
+            <a:ext cx="1138453" cy="369332"/>
+          </a:xfrm>
+          <a:prstGeom prst="rect">
+            <a:avLst/>
+          </a:prstGeom>
+          <a:noFill/>
+        </p:spPr>
+        <p:txBody>
+          <a:bodyPr wrap="none" rtlCol="0">
+            <a:spAutoFit/>
+          </a:bodyPr>
+          <a:lstStyle/>
+          <a:p>
+            <a:r>
+              <a:rPr lang="en-US" dirty="0" smtClean="0">
+                <a:latin typeface="Arial Rounded MT Bold" panose="020F0704030504030204" pitchFamily="34" charset="0"/>
               </a:rPr>
-              <a:t>for database creation and scrapping.</a:t>
-            </a:r>
-          </a:p>
-          <a:p>
-            <a:pPr marL="457200" indent="-457200">
-              <a:lnSpc>
-                <a:spcPct val="150000"/>
-              </a:lnSpc>
-              <a:buFont typeface="+mj-lt"/>
-              <a:buAutoNum type="arabicPeriod"/>
-            </a:pPr>
-            <a:r>
-              <a:rPr lang="en-US" sz="2400" dirty="0" smtClean="0">
-                <a:latin typeface="Yu Gothic Medium" panose="020B0500000000000000" pitchFamily="34" charset="-128"/>
-                <a:ea typeface="Yu Gothic Medium" panose="020B0500000000000000" pitchFamily="34" charset="-128"/>
+              <a:t>Block #1</a:t>
+            </a:r>
+            <a:endParaRPr lang="ru-RU" dirty="0"/>
+          </a:p>
+        </p:txBody>
+      </p:sp>
+      <p:sp>
+        <p:nvSpPr>
+          <p:cNvPr id="76" name="TextBox 75"/>
+          <p:cNvSpPr txBox="1"/>
+          <p:nvPr/>
+        </p:nvSpPr>
+        <p:spPr>
+          <a:xfrm>
+            <a:off x="4487782" y="2509587"/>
+            <a:ext cx="713337" cy="338554"/>
+          </a:xfrm>
+          <a:prstGeom prst="rect">
+            <a:avLst/>
+          </a:prstGeom>
+          <a:noFill/>
+        </p:spPr>
+        <p:txBody>
+          <a:bodyPr wrap="none" rtlCol="0">
+            <a:spAutoFit/>
+          </a:bodyPr>
+          <a:lstStyle/>
+          <a:p>
+            <a:r>
+              <a:rPr lang="en-US" sz="1600" dirty="0" smtClean="0">
+                <a:latin typeface="Arial Rounded MT Bold" panose="020F0704030504030204" pitchFamily="34" charset="0"/>
               </a:rPr>
-              <a:t>Run </a:t>
-            </a:r>
-            <a:r>
-              <a:rPr lang="en-US" sz="2400" b="1" dirty="0" smtClean="0">
-                <a:solidFill>
-                  <a:schemeClr val="accent3">
-                    <a:lumMod val="50000"/>
-                  </a:schemeClr>
-                </a:solidFill>
-                <a:latin typeface="Yu Gothic Medium" panose="020B0500000000000000" pitchFamily="34" charset="-128"/>
-                <a:ea typeface="Yu Gothic Medium" panose="020B0500000000000000" pitchFamily="34" charset="-128"/>
+              <a:t>False</a:t>
+            </a:r>
+            <a:endParaRPr lang="ru-RU" sz="1600" dirty="0"/>
+          </a:p>
+        </p:txBody>
+      </p:sp>
+      <p:sp>
+        <p:nvSpPr>
+          <p:cNvPr id="77" name="TextBox 76"/>
+          <p:cNvSpPr txBox="1"/>
+          <p:nvPr/>
+        </p:nvSpPr>
+        <p:spPr>
+          <a:xfrm>
+            <a:off x="7031703" y="2468953"/>
+            <a:ext cx="634982" cy="338554"/>
+          </a:xfrm>
+          <a:prstGeom prst="rect">
+            <a:avLst/>
+          </a:prstGeom>
+          <a:noFill/>
+        </p:spPr>
+        <p:txBody>
+          <a:bodyPr wrap="none" rtlCol="0">
+            <a:spAutoFit/>
+          </a:bodyPr>
+          <a:lstStyle/>
+          <a:p>
+            <a:r>
+              <a:rPr lang="en-US" sz="1600" dirty="0" smtClean="0">
+                <a:latin typeface="Arial Rounded MT Bold" panose="020F0704030504030204" pitchFamily="34" charset="0"/>
               </a:rPr>
-              <a:t>“app.py” </a:t>
-            </a:r>
-            <a:r>
-              <a:rPr lang="en-US" sz="2400" dirty="0" smtClean="0">
-                <a:latin typeface="Yu Gothic Medium" panose="020B0500000000000000" pitchFamily="34" charset="-128"/>
-                <a:ea typeface="Yu Gothic Medium" panose="020B0500000000000000" pitchFamily="34" charset="-128"/>
-              </a:rPr>
-              <a:t>for Flask Application start. </a:t>
-            </a:r>
-          </a:p>
-          <a:p>
-            <a:endParaRPr lang="ru-RU" dirty="0">
-              <a:latin typeface="Yu Gothic Medium" panose="020B0500000000000000" pitchFamily="34" charset="-128"/>
-              <a:ea typeface="Yu Gothic Medium" panose="020B0500000000000000" pitchFamily="34" charset="-128"/>
-            </a:endParaRPr>
+              <a:t>True</a:t>
+            </a:r>
+            <a:endParaRPr lang="ru-RU" sz="1600" dirty="0"/>
           </a:p>
         </p:txBody>
       </p:sp>
@@ -5893,6 +6991,585 @@
       </p:grpSpPr>
       <p:sp>
         <p:nvSpPr>
+          <p:cNvPr id="4" name="Заголовок 3" hidden="1">
+            <a:extLst>
+              <a:ext uri="{FF2B5EF4-FFF2-40B4-BE49-F238E27FC236}">
+                <a16:creationId xmlns:a16="http://schemas.microsoft.com/office/drawing/2014/main" id="{2AC0C949-7A02-4C95-8017-D82E7E71C4F7}"/>
+              </a:ext>
+            </a:extLst>
+          </p:cNvPr>
+          <p:cNvSpPr>
+            <a:spLocks noGrp="1"/>
+          </p:cNvSpPr>
+          <p:nvPr>
+            <p:ph type="title" idx="4294967295"/>
+          </p:nvPr>
+        </p:nvSpPr>
+        <p:spPr>
+          <a:xfrm>
+            <a:off x="0" y="365125"/>
+            <a:ext cx="10515600" cy="1325563"/>
+          </a:xfrm>
+        </p:spPr>
+        <p:txBody>
+          <a:bodyPr rtlCol="0"/>
+          <a:lstStyle/>
+          <a:p>
+            <a:r>
+              <a:rPr lang="ru-RU" dirty="0" smtClean="0"/>
+              <a:t>Слайд 5 с анализом проекта</a:t>
+            </a:r>
+            <a:endParaRPr lang="ru-RU" dirty="0"/>
+          </a:p>
+        </p:txBody>
+      </p:sp>
+      <p:cxnSp>
+        <p:nvCxnSpPr>
+          <p:cNvPr id="8" name="Прямая соединительная линия 7">
+            <a:extLst>
+              <a:ext uri="{FF2B5EF4-FFF2-40B4-BE49-F238E27FC236}">
+                <a16:creationId xmlns:a16="http://schemas.microsoft.com/office/drawing/2014/main" id="{D0986099-F5F2-4E8B-BE17-81194861A00C}"/>
+              </a:ext>
+              <a:ext uri="{C183D7F6-B498-43B3-948B-1728B52AA6E4}">
+                <adec:decorative xmlns:adec="http://schemas.microsoft.com/office/drawing/2017/decorative" xmlns="" val="1"/>
+              </a:ext>
+            </a:extLst>
+          </p:cNvPr>
+          <p:cNvCxnSpPr>
+            <a:cxnSpLocks/>
+          </p:cNvCxnSpPr>
+          <p:nvPr/>
+        </p:nvCxnSpPr>
+        <p:spPr>
+          <a:xfrm>
+            <a:off x="8105780" y="522899"/>
+            <a:ext cx="4086225" cy="0"/>
+          </a:xfrm>
+          <a:prstGeom prst="line">
+            <a:avLst/>
+          </a:prstGeom>
+          <a:ln>
+            <a:solidFill>
+              <a:schemeClr val="accent3">
+                <a:lumMod val="50000"/>
+              </a:schemeClr>
+            </a:solidFill>
+            <a:headEnd type="oval"/>
+          </a:ln>
+        </p:spPr>
+        <p:style>
+          <a:lnRef idx="1">
+            <a:schemeClr val="accent1"/>
+          </a:lnRef>
+          <a:fillRef idx="0">
+            <a:schemeClr val="accent1"/>
+          </a:fillRef>
+          <a:effectRef idx="0">
+            <a:schemeClr val="accent1"/>
+          </a:effectRef>
+          <a:fontRef idx="minor">
+            <a:schemeClr val="tx1"/>
+          </a:fontRef>
+        </p:style>
+      </p:cxnSp>
+      <p:cxnSp>
+        <p:nvCxnSpPr>
+          <p:cNvPr id="14" name="Прямая соединительная линия 13">
+            <a:extLst>
+              <a:ext uri="{FF2B5EF4-FFF2-40B4-BE49-F238E27FC236}">
+                <a16:creationId xmlns:a16="http://schemas.microsoft.com/office/drawing/2014/main" id="{83E690F4-843A-47A5-8620-4FB01C0D8E68}"/>
+              </a:ext>
+              <a:ext uri="{C183D7F6-B498-43B3-948B-1728B52AA6E4}">
+                <adec:decorative xmlns:adec="http://schemas.microsoft.com/office/drawing/2017/decorative" xmlns="" val="1"/>
+              </a:ext>
+            </a:extLst>
+          </p:cNvPr>
+          <p:cNvCxnSpPr>
+            <a:cxnSpLocks/>
+          </p:cNvCxnSpPr>
+          <p:nvPr/>
+        </p:nvCxnSpPr>
+        <p:spPr>
+          <a:xfrm>
+            <a:off x="4" y="522899"/>
+            <a:ext cx="4086225" cy="0"/>
+          </a:xfrm>
+          <a:prstGeom prst="line">
+            <a:avLst/>
+          </a:prstGeom>
+          <a:ln>
+            <a:solidFill>
+              <a:schemeClr val="accent3">
+                <a:lumMod val="50000"/>
+              </a:schemeClr>
+            </a:solidFill>
+            <a:tailEnd type="oval"/>
+          </a:ln>
+        </p:spPr>
+        <p:style>
+          <a:lnRef idx="1">
+            <a:schemeClr val="accent1"/>
+          </a:lnRef>
+          <a:fillRef idx="0">
+            <a:schemeClr val="accent1"/>
+          </a:fillRef>
+          <a:effectRef idx="0">
+            <a:schemeClr val="accent1"/>
+          </a:effectRef>
+          <a:fontRef idx="minor">
+            <a:schemeClr val="tx1"/>
+          </a:fontRef>
+        </p:style>
+      </p:cxnSp>
+      <p:sp>
+        <p:nvSpPr>
+          <p:cNvPr id="19" name="TextBox 18"/>
+          <p:cNvSpPr txBox="1"/>
+          <p:nvPr/>
+        </p:nvSpPr>
+        <p:spPr>
+          <a:xfrm>
+            <a:off x="4090882" y="632925"/>
+            <a:ext cx="4010265" cy="584775"/>
+          </a:xfrm>
+          <a:prstGeom prst="rect">
+            <a:avLst/>
+          </a:prstGeom>
+          <a:noFill/>
+        </p:spPr>
+        <p:txBody>
+          <a:bodyPr wrap="none" rtlCol="0">
+            <a:spAutoFit/>
+          </a:bodyPr>
+          <a:lstStyle/>
+          <a:p>
+            <a:pPr algn="ctr"/>
+            <a:r>
+              <a:rPr lang="en-US" sz="3200" dirty="0" smtClean="0">
+                <a:solidFill>
+                  <a:schemeClr val="accent3">
+                    <a:lumMod val="50000"/>
+                  </a:schemeClr>
+                </a:solidFill>
+                <a:latin typeface="Arial Rounded MT Bold" panose="020F0704030504030204" pitchFamily="34" charset="0"/>
+              </a:rPr>
+              <a:t>Application makers</a:t>
+            </a:r>
+            <a:endParaRPr lang="ru-RU" dirty="0"/>
+          </a:p>
+        </p:txBody>
+      </p:sp>
+      <p:sp>
+        <p:nvSpPr>
+          <p:cNvPr id="3" name="TextBox 2"/>
+          <p:cNvSpPr txBox="1"/>
+          <p:nvPr/>
+        </p:nvSpPr>
+        <p:spPr>
+          <a:xfrm>
+            <a:off x="766316" y="4755038"/>
+            <a:ext cx="2451312" cy="461665"/>
+          </a:xfrm>
+          <a:prstGeom prst="rect">
+            <a:avLst/>
+          </a:prstGeom>
+          <a:noFill/>
+        </p:spPr>
+        <p:txBody>
+          <a:bodyPr wrap="none" rtlCol="0">
+            <a:spAutoFit/>
+          </a:bodyPr>
+          <a:lstStyle/>
+          <a:p>
+            <a:r>
+              <a:rPr lang="en-US" sz="2400" b="1" dirty="0" smtClean="0">
+                <a:solidFill>
+                  <a:schemeClr val="accent3">
+                    <a:lumMod val="50000"/>
+                  </a:schemeClr>
+                </a:solidFill>
+                <a:latin typeface="Bahnschrift" panose="020B0502040204020203" pitchFamily="34" charset="0"/>
+              </a:rPr>
+              <a:t>Karen </a:t>
+            </a:r>
+            <a:r>
+              <a:rPr lang="en-US" sz="2400" b="1" dirty="0" err="1" smtClean="0">
+                <a:solidFill>
+                  <a:schemeClr val="accent3">
+                    <a:lumMod val="50000"/>
+                  </a:schemeClr>
+                </a:solidFill>
+                <a:latin typeface="Bahnschrift" panose="020B0502040204020203" pitchFamily="34" charset="0"/>
+              </a:rPr>
+              <a:t>Hakobyan</a:t>
+            </a:r>
+            <a:endParaRPr lang="ru-RU" sz="2400" b="1" dirty="0">
+              <a:solidFill>
+                <a:schemeClr val="accent3">
+                  <a:lumMod val="50000"/>
+                </a:schemeClr>
+              </a:solidFill>
+              <a:latin typeface="Bahnschrift" panose="020B0502040204020203" pitchFamily="34" charset="0"/>
+            </a:endParaRPr>
+          </a:p>
+        </p:txBody>
+      </p:sp>
+      <p:sp>
+        <p:nvSpPr>
+          <p:cNvPr id="5" name="TextBox 4"/>
+          <p:cNvSpPr txBox="1"/>
+          <p:nvPr/>
+        </p:nvSpPr>
+        <p:spPr>
+          <a:xfrm>
+            <a:off x="3585390" y="4755037"/>
+            <a:ext cx="2510624" cy="461665"/>
+          </a:xfrm>
+          <a:prstGeom prst="rect">
+            <a:avLst/>
+          </a:prstGeom>
+          <a:noFill/>
+        </p:spPr>
+        <p:txBody>
+          <a:bodyPr wrap="none" rtlCol="0">
+            <a:spAutoFit/>
+          </a:bodyPr>
+          <a:lstStyle/>
+          <a:p>
+            <a:r>
+              <a:rPr lang="en-US" sz="2400" b="1" dirty="0" smtClean="0">
+                <a:solidFill>
+                  <a:schemeClr val="accent3">
+                    <a:lumMod val="50000"/>
+                  </a:schemeClr>
+                </a:solidFill>
+                <a:latin typeface="Bahnschrift" panose="020B0502040204020203" pitchFamily="34" charset="0"/>
+              </a:rPr>
+              <a:t>Sergey </a:t>
+            </a:r>
+            <a:r>
+              <a:rPr lang="en-US" sz="2400" b="1" dirty="0" err="1" smtClean="0">
+                <a:solidFill>
+                  <a:schemeClr val="accent3">
+                    <a:lumMod val="50000"/>
+                  </a:schemeClr>
+                </a:solidFill>
+                <a:latin typeface="Bahnschrift" panose="020B0502040204020203" pitchFamily="34" charset="0"/>
+              </a:rPr>
+              <a:t>Adamyan</a:t>
+            </a:r>
+            <a:endParaRPr lang="ru-RU" sz="2400" b="1" dirty="0">
+              <a:solidFill>
+                <a:schemeClr val="accent3">
+                  <a:lumMod val="50000"/>
+                </a:schemeClr>
+              </a:solidFill>
+              <a:latin typeface="Bahnschrift" panose="020B0502040204020203" pitchFamily="34" charset="0"/>
+            </a:endParaRPr>
+          </a:p>
+        </p:txBody>
+      </p:sp>
+      <p:sp>
+        <p:nvSpPr>
+          <p:cNvPr id="6" name="TextBox 5"/>
+          <p:cNvSpPr txBox="1"/>
+          <p:nvPr/>
+        </p:nvSpPr>
+        <p:spPr>
+          <a:xfrm>
+            <a:off x="6554389" y="4753410"/>
+            <a:ext cx="2239716" cy="461665"/>
+          </a:xfrm>
+          <a:prstGeom prst="rect">
+            <a:avLst/>
+          </a:prstGeom>
+          <a:noFill/>
+        </p:spPr>
+        <p:txBody>
+          <a:bodyPr wrap="none" rtlCol="0">
+            <a:spAutoFit/>
+          </a:bodyPr>
+          <a:lstStyle/>
+          <a:p>
+            <a:r>
+              <a:rPr lang="en-US" sz="2400" b="1" dirty="0" err="1" smtClean="0">
+                <a:solidFill>
+                  <a:schemeClr val="accent3">
+                    <a:lumMod val="50000"/>
+                  </a:schemeClr>
+                </a:solidFill>
+                <a:latin typeface="Bahnschrift" panose="020B0502040204020203" pitchFamily="34" charset="0"/>
+              </a:rPr>
+              <a:t>Tatev</a:t>
+            </a:r>
+            <a:r>
+              <a:rPr lang="en-US" sz="2400" b="1" dirty="0" smtClean="0">
+                <a:solidFill>
+                  <a:schemeClr val="accent3">
+                    <a:lumMod val="50000"/>
+                  </a:schemeClr>
+                </a:solidFill>
+                <a:latin typeface="Bahnschrift" panose="020B0502040204020203" pitchFamily="34" charset="0"/>
+              </a:rPr>
+              <a:t> </a:t>
+            </a:r>
+            <a:r>
+              <a:rPr lang="en-US" sz="2400" b="1" dirty="0" err="1" smtClean="0">
+                <a:solidFill>
+                  <a:schemeClr val="accent3">
+                    <a:lumMod val="50000"/>
+                  </a:schemeClr>
+                </a:solidFill>
+                <a:latin typeface="Bahnschrift" panose="020B0502040204020203" pitchFamily="34" charset="0"/>
+              </a:rPr>
+              <a:t>Aramyan</a:t>
+            </a:r>
+            <a:endParaRPr lang="ru-RU" sz="2400" b="1" dirty="0">
+              <a:solidFill>
+                <a:schemeClr val="accent3">
+                  <a:lumMod val="50000"/>
+                </a:schemeClr>
+              </a:solidFill>
+              <a:latin typeface="Bahnschrift" panose="020B0502040204020203" pitchFamily="34" charset="0"/>
+            </a:endParaRPr>
+          </a:p>
+        </p:txBody>
+      </p:sp>
+      <p:sp>
+        <p:nvSpPr>
+          <p:cNvPr id="9" name="TextBox 8"/>
+          <p:cNvSpPr txBox="1"/>
+          <p:nvPr/>
+        </p:nvSpPr>
+        <p:spPr>
+          <a:xfrm>
+            <a:off x="9071254" y="4753410"/>
+            <a:ext cx="2513830" cy="830997"/>
+          </a:xfrm>
+          <a:prstGeom prst="rect">
+            <a:avLst/>
+          </a:prstGeom>
+          <a:noFill/>
+        </p:spPr>
+        <p:txBody>
+          <a:bodyPr wrap="none" rtlCol="0">
+            <a:spAutoFit/>
+          </a:bodyPr>
+          <a:lstStyle/>
+          <a:p>
+            <a:r>
+              <a:rPr lang="en-US" sz="2400" b="1" dirty="0" err="1" smtClean="0">
+                <a:solidFill>
+                  <a:schemeClr val="accent3">
+                    <a:lumMod val="50000"/>
+                  </a:schemeClr>
+                </a:solidFill>
+                <a:latin typeface="Bahnschrift" panose="020B0502040204020203" pitchFamily="34" charset="0"/>
+              </a:rPr>
+              <a:t>Vardan</a:t>
+            </a:r>
+            <a:r>
+              <a:rPr lang="en-US" sz="2400" b="1" dirty="0" smtClean="0">
+                <a:solidFill>
+                  <a:schemeClr val="accent3">
+                    <a:lumMod val="50000"/>
+                  </a:schemeClr>
+                </a:solidFill>
+                <a:latin typeface="Bahnschrift" panose="020B0502040204020203" pitchFamily="34" charset="0"/>
+              </a:rPr>
+              <a:t> </a:t>
+            </a:r>
+            <a:r>
+              <a:rPr lang="en-US" sz="2400" b="1" dirty="0" err="1" smtClean="0">
+                <a:solidFill>
+                  <a:schemeClr val="accent3">
+                    <a:lumMod val="50000"/>
+                  </a:schemeClr>
+                </a:solidFill>
+                <a:latin typeface="Bahnschrift" panose="020B0502040204020203" pitchFamily="34" charset="0"/>
+              </a:rPr>
+              <a:t>Aslanyan</a:t>
+            </a:r>
+            <a:endParaRPr lang="en-US" sz="2400" b="1" dirty="0" smtClean="0">
+              <a:solidFill>
+                <a:schemeClr val="accent3">
+                  <a:lumMod val="50000"/>
+                </a:schemeClr>
+              </a:solidFill>
+              <a:latin typeface="Bahnschrift" panose="020B0502040204020203" pitchFamily="34" charset="0"/>
+            </a:endParaRPr>
+          </a:p>
+          <a:p>
+            <a:endParaRPr lang="ru-RU" sz="2400" b="1" dirty="0">
+              <a:solidFill>
+                <a:schemeClr val="accent3">
+                  <a:lumMod val="50000"/>
+                </a:schemeClr>
+              </a:solidFill>
+              <a:latin typeface="Bahnschrift" panose="020B0502040204020203" pitchFamily="34" charset="0"/>
+            </a:endParaRPr>
+          </a:p>
+        </p:txBody>
+      </p:sp>
+      <p:pic>
+        <p:nvPicPr>
+          <p:cNvPr id="2" name="Рисунок 1"/>
+          <p:cNvPicPr>
+            <a:picLocks noChangeAspect="1"/>
+          </p:cNvPicPr>
+          <p:nvPr/>
+        </p:nvPicPr>
+        <p:blipFill>
+          <a:blip r:embed="rId3" cstate="hqprint">
+            <a:extLst>
+              <a:ext uri="{28A0092B-C50C-407E-A947-70E740481C1C}">
+                <a14:useLocalDpi xmlns:a14="http://schemas.microsoft.com/office/drawing/2010/main" val="0"/>
+              </a:ext>
+            </a:extLst>
+          </a:blip>
+          <a:stretch>
+            <a:fillRect/>
+          </a:stretch>
+        </p:blipFill>
+        <p:spPr>
+          <a:xfrm>
+            <a:off x="868604" y="1438341"/>
+            <a:ext cx="2349024" cy="3132032"/>
+          </a:xfrm>
+          <a:prstGeom prst="rect">
+            <a:avLst/>
+          </a:prstGeom>
+        </p:spPr>
+      </p:pic>
+      <p:pic>
+        <p:nvPicPr>
+          <p:cNvPr id="10" name="Рисунок 9"/>
+          <p:cNvPicPr>
+            <a:picLocks noChangeAspect="1"/>
+          </p:cNvPicPr>
+          <p:nvPr/>
+        </p:nvPicPr>
+        <p:blipFill>
+          <a:blip r:embed="rId4" cstate="hqprint">
+            <a:extLst>
+              <a:ext uri="{28A0092B-C50C-407E-A947-70E740481C1C}">
+                <a14:useLocalDpi xmlns:a14="http://schemas.microsoft.com/office/drawing/2010/main" val="0"/>
+              </a:ext>
+            </a:extLst>
+          </a:blip>
+          <a:stretch>
+            <a:fillRect/>
+          </a:stretch>
+        </p:blipFill>
+        <p:spPr>
+          <a:xfrm>
+            <a:off x="6492170" y="1438341"/>
+            <a:ext cx="2364154" cy="3152205"/>
+          </a:xfrm>
+          <a:prstGeom prst="rect">
+            <a:avLst/>
+          </a:prstGeom>
+        </p:spPr>
+      </p:pic>
+      <p:pic>
+        <p:nvPicPr>
+          <p:cNvPr id="11" name="Рисунок 10"/>
+          <p:cNvPicPr>
+            <a:picLocks noChangeAspect="1"/>
+          </p:cNvPicPr>
+          <p:nvPr/>
+        </p:nvPicPr>
+        <p:blipFill>
+          <a:blip r:embed="rId5" cstate="hqprint">
+            <a:extLst>
+              <a:ext uri="{28A0092B-C50C-407E-A947-70E740481C1C}">
+                <a14:useLocalDpi xmlns:a14="http://schemas.microsoft.com/office/drawing/2010/main" val="0"/>
+              </a:ext>
+            </a:extLst>
+          </a:blip>
+          <a:stretch>
+            <a:fillRect/>
+          </a:stretch>
+        </p:blipFill>
+        <p:spPr>
+          <a:xfrm>
+            <a:off x="9236060" y="1458514"/>
+            <a:ext cx="2349024" cy="3132032"/>
+          </a:xfrm>
+          <a:prstGeom prst="rect">
+            <a:avLst/>
+          </a:prstGeom>
+        </p:spPr>
+      </p:pic>
+      <p:pic>
+        <p:nvPicPr>
+          <p:cNvPr id="12" name="Рисунок 11"/>
+          <p:cNvPicPr>
+            <a:picLocks noChangeAspect="1"/>
+          </p:cNvPicPr>
+          <p:nvPr/>
+        </p:nvPicPr>
+        <p:blipFill>
+          <a:blip r:embed="rId6" cstate="hqprint">
+            <a:extLst>
+              <a:ext uri="{28A0092B-C50C-407E-A947-70E740481C1C}">
+                <a14:useLocalDpi xmlns:a14="http://schemas.microsoft.com/office/drawing/2010/main" val="0"/>
+              </a:ext>
+            </a:extLst>
+          </a:blip>
+          <a:stretch>
+            <a:fillRect/>
+          </a:stretch>
+        </p:blipFill>
+        <p:spPr>
+          <a:xfrm>
+            <a:off x="3658625" y="1438341"/>
+            <a:ext cx="2364153" cy="3152205"/>
+          </a:xfrm>
+          <a:prstGeom prst="rect">
+            <a:avLst/>
+          </a:prstGeom>
+        </p:spPr>
+      </p:pic>
+    </p:spTree>
+    <p:extLst>
+      <p:ext uri="{BB962C8B-B14F-4D97-AF65-F5344CB8AC3E}">
+        <p14:creationId xmlns:p14="http://schemas.microsoft.com/office/powerpoint/2010/main" val="3037504296"/>
+      </p:ext>
+    </p:extLst>
+  </p:cSld>
+  <p:clrMapOvr>
+    <a:masterClrMapping/>
+  </p:clrMapOvr>
+  <p:timing>
+    <p:tnLst>
+      <p:par>
+        <p:cTn id="1" dur="indefinite" restart="never" nodeType="tmRoot"/>
+      </p:par>
+    </p:tnLst>
+  </p:timing>
+</p:sld>
+</file>
+
+<file path=ppt/slides/slide12.xml><?xml version="1.0" encoding="utf-8"?>
+<p:sld xmlns:a="http://schemas.openxmlformats.org/drawingml/2006/main" xmlns:r="http://schemas.openxmlformats.org/officeDocument/2006/relationships" xmlns:p="http://schemas.openxmlformats.org/presentationml/2006/main">
+  <p:cSld>
+    <p:spTree>
+      <p:nvGrpSpPr>
+        <p:cNvPr id="1" name=""/>
+        <p:cNvGrpSpPr/>
+        <p:nvPr/>
+      </p:nvGrpSpPr>
+      <p:grpSpPr>
+        <a:xfrm>
+          <a:off x="0" y="0"/>
+          <a:ext cx="0" cy="0"/>
+          <a:chOff x="0" y="0"/>
+          <a:chExt cx="0" cy="0"/>
+        </a:xfrm>
+      </p:grpSpPr>
+      <p:sp>
+        <p:nvSpPr>
           <p:cNvPr id="15" name="Заголовок 1">
             <a:extLst>
               <a:ext uri="{FF2B5EF4-FFF2-40B4-BE49-F238E27FC236}">
@@ -6020,7 +7697,7 @@
                 <a16:creationId xmlns:a16="http://schemas.microsoft.com/office/drawing/2014/main" id="{D0986099-F5F2-4E8B-BE17-81194861A00C}"/>
               </a:ext>
               <a:ext uri="{C183D7F6-B498-43B3-948B-1728B52AA6E4}">
-                <adec:decorative xmlns="" xmlns:adec="http://schemas.microsoft.com/office/drawing/2017/decorative" val="1"/>
+                <adec:decorative xmlns:adec="http://schemas.microsoft.com/office/drawing/2017/decorative" xmlns="" val="1"/>
               </a:ext>
             </a:extLst>
           </p:cNvPr>
@@ -6069,7 +7746,7 @@
                 <a16:creationId xmlns:a16="http://schemas.microsoft.com/office/drawing/2014/main" id="{83E690F4-843A-47A5-8620-4FB01C0D8E68}"/>
               </a:ext>
               <a:ext uri="{C183D7F6-B498-43B3-948B-1728B52AA6E4}">
-                <adec:decorative xmlns="" xmlns:adec="http://schemas.microsoft.com/office/drawing/2017/decorative" val="1"/>
+                <adec:decorative xmlns:adec="http://schemas.microsoft.com/office/drawing/2017/decorative" xmlns="" val="1"/>
               </a:ext>
             </a:extLst>
           </p:cNvPr>
@@ -6480,7 +8157,7 @@
                 <a16:creationId xmlns:a16="http://schemas.microsoft.com/office/drawing/2014/main" id="{D0986099-F5F2-4E8B-BE17-81194861A00C}"/>
               </a:ext>
               <a:ext uri="{C183D7F6-B498-43B3-948B-1728B52AA6E4}">
-                <adec:decorative xmlns="" xmlns:adec="http://schemas.microsoft.com/office/drawing/2017/decorative" val="1"/>
+                <adec:decorative xmlns:adec="http://schemas.microsoft.com/office/drawing/2017/decorative" xmlns="" val="1"/>
               </a:ext>
             </a:extLst>
           </p:cNvPr>
@@ -6529,7 +8206,7 @@
                 <a16:creationId xmlns:a16="http://schemas.microsoft.com/office/drawing/2014/main" id="{83E690F4-843A-47A5-8620-4FB01C0D8E68}"/>
               </a:ext>
               <a:ext uri="{C183D7F6-B498-43B3-948B-1728B52AA6E4}">
-                <adec:decorative xmlns="" xmlns:adec="http://schemas.microsoft.com/office/drawing/2017/decorative" val="1"/>
+                <adec:decorative xmlns:adec="http://schemas.microsoft.com/office/drawing/2017/decorative" xmlns="" val="1"/>
               </a:ext>
             </a:extLst>
           </p:cNvPr>
@@ -6578,7 +8255,7 @@
                 <a16:creationId xmlns:a16="http://schemas.microsoft.com/office/drawing/2014/main" id="{61AAA85B-D8C7-43BE-844A-625265015123}"/>
               </a:ext>
               <a:ext uri="{C183D7F6-B498-43B3-948B-1728B52AA6E4}">
-                <adec:decorative xmlns="" xmlns:adec="http://schemas.microsoft.com/office/drawing/2017/decorative" val="1"/>
+                <adec:decorative xmlns:adec="http://schemas.microsoft.com/office/drawing/2017/decorative" xmlns="" val="1"/>
               </a:ext>
             </a:extLst>
           </p:cNvPr>
@@ -6625,7 +8302,7 @@
                 <a16:creationId xmlns:a16="http://schemas.microsoft.com/office/drawing/2014/main" id="{4741AA56-D9ED-492E-8385-5CB8274B1286}"/>
               </a:ext>
               <a:ext uri="{C183D7F6-B498-43B3-948B-1728B52AA6E4}">
-                <adec:decorative xmlns="" xmlns:adec="http://schemas.microsoft.com/office/drawing/2017/decorative" val="1"/>
+                <adec:decorative xmlns:adec="http://schemas.microsoft.com/office/drawing/2017/decorative" xmlns="" val="1"/>
               </a:ext>
             </a:extLst>
           </p:cNvPr>
@@ -6969,7 +8646,7 @@
                 <a16:creationId xmlns:a16="http://schemas.microsoft.com/office/drawing/2014/main" id="{0092C447-C8E1-4B12-B012-E6D21CBB1FBE}"/>
               </a:ext>
               <a:ext uri="{C183D7F6-B498-43B3-948B-1728B52AA6E4}">
-                <adec:decorative xmlns="" xmlns:adec="http://schemas.microsoft.com/office/drawing/2017/decorative" val="1"/>
+                <adec:decorative xmlns:adec="http://schemas.microsoft.com/office/drawing/2017/decorative" xmlns="" val="1"/>
               </a:ext>
             </a:extLst>
           </p:cNvPr>
@@ -7028,7 +8705,7 @@
                 <a16:creationId xmlns:a16="http://schemas.microsoft.com/office/drawing/2014/main" id="{5B804E9F-B6B5-41F9-9B63-9AF435FDC2B7}"/>
               </a:ext>
               <a:ext uri="{C183D7F6-B498-43B3-948B-1728B52AA6E4}">
-                <adec:decorative xmlns="" xmlns:adec="http://schemas.microsoft.com/office/drawing/2017/decorative" val="1"/>
+                <adec:decorative xmlns:adec="http://schemas.microsoft.com/office/drawing/2017/decorative" xmlns="" val="1"/>
               </a:ext>
             </a:extLst>
           </p:cNvPr>
@@ -7085,7 +8762,7 @@
                 <a16:creationId xmlns:a16="http://schemas.microsoft.com/office/drawing/2014/main" id="{0092C447-C8E1-4B12-B012-E6D21CBB1FBE}"/>
               </a:ext>
               <a:ext uri="{C183D7F6-B498-43B3-948B-1728B52AA6E4}">
-                <adec:decorative xmlns="" xmlns:adec="http://schemas.microsoft.com/office/drawing/2017/decorative" val="1"/>
+                <adec:decorative xmlns:adec="http://schemas.microsoft.com/office/drawing/2017/decorative" xmlns="" val="1"/>
               </a:ext>
             </a:extLst>
           </p:cNvPr>
@@ -7144,7 +8821,7 @@
                 <a16:creationId xmlns:a16="http://schemas.microsoft.com/office/drawing/2014/main" id="{5B804E9F-B6B5-41F9-9B63-9AF435FDC2B7}"/>
               </a:ext>
               <a:ext uri="{C183D7F6-B498-43B3-948B-1728B52AA6E4}">
-                <adec:decorative xmlns="" xmlns:adec="http://schemas.microsoft.com/office/drawing/2017/decorative" val="1"/>
+                <adec:decorative xmlns:adec="http://schemas.microsoft.com/office/drawing/2017/decorative" xmlns="" val="1"/>
               </a:ext>
             </a:extLst>
           </p:cNvPr>
@@ -7228,7 +8905,7 @@
                 <a16:creationId xmlns:a16="http://schemas.microsoft.com/office/drawing/2014/main" id="{5B804E9F-B6B5-41F9-9B63-9AF435FDC2B7}"/>
               </a:ext>
               <a:ext uri="{C183D7F6-B498-43B3-948B-1728B52AA6E4}">
-                <adec:decorative xmlns="" xmlns:adec="http://schemas.microsoft.com/office/drawing/2017/decorative" val="1"/>
+                <adec:decorative xmlns:adec="http://schemas.microsoft.com/office/drawing/2017/decorative" xmlns="" val="1"/>
               </a:ext>
             </a:extLst>
           </p:cNvPr>
@@ -7319,7 +8996,7 @@
                 <a16:creationId xmlns:a16="http://schemas.microsoft.com/office/drawing/2014/main" id="{D0986099-F5F2-4E8B-BE17-81194861A00C}"/>
               </a:ext>
               <a:ext uri="{C183D7F6-B498-43B3-948B-1728B52AA6E4}">
-                <adec:decorative xmlns="" xmlns:adec="http://schemas.microsoft.com/office/drawing/2017/decorative" val="1"/>
+                <adec:decorative xmlns:adec="http://schemas.microsoft.com/office/drawing/2017/decorative" xmlns="" val="1"/>
               </a:ext>
             </a:extLst>
           </p:cNvPr>
@@ -7368,7 +9045,7 @@
                 <a16:creationId xmlns:a16="http://schemas.microsoft.com/office/drawing/2014/main" id="{83E690F4-843A-47A5-8620-4FB01C0D8E68}"/>
               </a:ext>
               <a:ext uri="{C183D7F6-B498-43B3-948B-1728B52AA6E4}">
-                <adec:decorative xmlns="" xmlns:adec="http://schemas.microsoft.com/office/drawing/2017/decorative" val="1"/>
+                <adec:decorative xmlns:adec="http://schemas.microsoft.com/office/drawing/2017/decorative" xmlns="" val="1"/>
               </a:ext>
             </a:extLst>
           </p:cNvPr>
@@ -7417,7 +9094,7 @@
                 <a16:creationId xmlns:a16="http://schemas.microsoft.com/office/drawing/2014/main" id="{5B804E9F-B6B5-41F9-9B63-9AF435FDC2B7}"/>
               </a:ext>
               <a:ext uri="{C183D7F6-B498-43B3-948B-1728B52AA6E4}">
-                <adec:decorative xmlns="" xmlns:adec="http://schemas.microsoft.com/office/drawing/2017/decorative" val="1"/>
+                <adec:decorative xmlns:adec="http://schemas.microsoft.com/office/drawing/2017/decorative" xmlns="" val="1"/>
               </a:ext>
             </a:extLst>
           </p:cNvPr>
@@ -7474,7 +9151,7 @@
                 <a16:creationId xmlns:a16="http://schemas.microsoft.com/office/drawing/2014/main" id="{0092C447-C8E1-4B12-B012-E6D21CBB1FBE}"/>
               </a:ext>
               <a:ext uri="{C183D7F6-B498-43B3-948B-1728B52AA6E4}">
-                <adec:decorative xmlns="" xmlns:adec="http://schemas.microsoft.com/office/drawing/2017/decorative" val="1"/>
+                <adec:decorative xmlns:adec="http://schemas.microsoft.com/office/drawing/2017/decorative" xmlns="" val="1"/>
               </a:ext>
             </a:extLst>
           </p:cNvPr>
@@ -7806,7 +9483,7 @@
         </p:blipFill>
         <p:spPr>
           <a:xfrm>
-            <a:off x="9026878" y="2793568"/>
+            <a:off x="8958970" y="2852625"/>
             <a:ext cx="715785" cy="730290"/>
           </a:xfrm>
           <a:prstGeom prst="rect">
@@ -7822,8 +9499,8 @@
         </p:nvSpPr>
         <p:spPr>
           <a:xfrm>
-            <a:off x="8593762" y="3504400"/>
-            <a:ext cx="1502334" cy="461665"/>
+            <a:off x="8525984" y="3582915"/>
+            <a:ext cx="1667444" cy="400110"/>
           </a:xfrm>
           <a:prstGeom prst="rect">
             <a:avLst/>
@@ -7837,35 +9514,31 @@
           <a:lstStyle/>
           <a:p>
             <a:r>
-              <a:rPr lang="en-US" sz="2400" dirty="0" smtClean="0">
+              <a:rPr lang="en-US" sz="2000" dirty="0" err="1" smtClean="0">
                 <a:ln w="6350">
                   <a:solidFill>
                     <a:schemeClr val="accent2">
-                      <a:lumMod val="50000"/>
+                      <a:lumMod val="75000"/>
                     </a:schemeClr>
                   </a:solidFill>
                 </a:ln>
                 <a:solidFill>
-                  <a:schemeClr val="accent2">
-                    <a:lumMod val="50000"/>
-                  </a:schemeClr>
+                  <a:schemeClr val="accent3"/>
                 </a:solidFill>
                 <a:latin typeface="Eras Demi ITC" panose="020B0805030504020804" pitchFamily="34" charset="0"/>
               </a:rPr>
-              <a:t>Schedule</a:t>
-            </a:r>
-            <a:endParaRPr lang="ru-RU" sz="2400" dirty="0">
+              <a:t>apscheduler</a:t>
+            </a:r>
+            <a:endParaRPr lang="ru-RU" sz="2000" dirty="0">
               <a:ln w="6350">
                 <a:solidFill>
                   <a:schemeClr val="accent2">
-                    <a:lumMod val="50000"/>
+                    <a:lumMod val="75000"/>
                   </a:schemeClr>
                 </a:solidFill>
               </a:ln>
               <a:solidFill>
-                <a:schemeClr val="accent2">
-                  <a:lumMod val="50000"/>
-                </a:schemeClr>
+                <a:schemeClr val="accent3"/>
               </a:solidFill>
             </a:endParaRPr>
           </a:p>
@@ -7916,7 +9589,7 @@
                 <a16:creationId xmlns:a16="http://schemas.microsoft.com/office/drawing/2014/main" id="{364CFD90-D0E1-4BC3-9D8B-7503E2632C39}"/>
               </a:ext>
               <a:ext uri="{C183D7F6-B498-43B3-948B-1728B52AA6E4}">
-                <adec:decorative xmlns="" xmlns:adec="http://schemas.microsoft.com/office/drawing/2017/decorative" val="1"/>
+                <adec:decorative xmlns:adec="http://schemas.microsoft.com/office/drawing/2017/decorative" xmlns="" val="1"/>
               </a:ext>
             </a:extLst>
           </p:cNvPr>
@@ -8005,7 +9678,7 @@
                 <a16:creationId xmlns:a16="http://schemas.microsoft.com/office/drawing/2014/main" id="{D0986099-F5F2-4E8B-BE17-81194861A00C}"/>
               </a:ext>
               <a:ext uri="{C183D7F6-B498-43B3-948B-1728B52AA6E4}">
-                <adec:decorative xmlns="" xmlns:adec="http://schemas.microsoft.com/office/drawing/2017/decorative" val="1"/>
+                <adec:decorative xmlns:adec="http://schemas.microsoft.com/office/drawing/2017/decorative" xmlns="" val="1"/>
               </a:ext>
             </a:extLst>
           </p:cNvPr>
@@ -8054,7 +9727,7 @@
                 <a16:creationId xmlns:a16="http://schemas.microsoft.com/office/drawing/2014/main" id="{E3ECCC05-FF78-40FA-84FF-172821D8B58A}"/>
               </a:ext>
               <a:ext uri="{C183D7F6-B498-43B3-948B-1728B52AA6E4}">
-                <adec:decorative xmlns="" xmlns:adec="http://schemas.microsoft.com/office/drawing/2017/decorative" val="1"/>
+                <adec:decorative xmlns:adec="http://schemas.microsoft.com/office/drawing/2017/decorative" xmlns="" val="1"/>
               </a:ext>
             </a:extLst>
           </p:cNvPr>
@@ -8116,7 +9789,7 @@
                 <a16:creationId xmlns:a16="http://schemas.microsoft.com/office/drawing/2014/main" id="{D6178536-4D8A-4FF2-BBDC-4B3E7E0FCF26}"/>
               </a:ext>
               <a:ext uri="{C183D7F6-B498-43B3-948B-1728B52AA6E4}">
-                <adec:decorative xmlns="" xmlns:adec="http://schemas.microsoft.com/office/drawing/2017/decorative" val="1"/>
+                <adec:decorative xmlns:adec="http://schemas.microsoft.com/office/drawing/2017/decorative" xmlns="" val="1"/>
               </a:ext>
             </a:extLst>
           </p:cNvPr>
@@ -8179,7 +9852,7 @@
                 <a16:creationId xmlns:a16="http://schemas.microsoft.com/office/drawing/2014/main" id="{416F1356-9015-4B5C-9C64-3C1D963E5F59}"/>
               </a:ext>
               <a:ext uri="{C183D7F6-B498-43B3-948B-1728B52AA6E4}">
-                <adec:decorative xmlns="" xmlns:adec="http://schemas.microsoft.com/office/drawing/2017/decorative" val="1"/>
+                <adec:decorative xmlns:adec="http://schemas.microsoft.com/office/drawing/2017/decorative" xmlns="" val="1"/>
               </a:ext>
             </a:extLst>
           </p:cNvPr>
@@ -8234,7 +9907,7 @@
                 <a16:creationId xmlns:a16="http://schemas.microsoft.com/office/drawing/2014/main" id="{EB7F2E37-0ACF-4E8A-9C1D-EC5B65BA2906}"/>
               </a:ext>
               <a:ext uri="{C183D7F6-B498-43B3-948B-1728B52AA6E4}">
-                <adec:decorative xmlns="" xmlns:adec="http://schemas.microsoft.com/office/drawing/2017/decorative" val="1"/>
+                <adec:decorative xmlns:adec="http://schemas.microsoft.com/office/drawing/2017/decorative" xmlns="" val="1"/>
               </a:ext>
             </a:extLst>
           </p:cNvPr>
@@ -8297,7 +9970,7 @@
                 <a16:creationId xmlns:a16="http://schemas.microsoft.com/office/drawing/2014/main" id="{88F812F5-70AF-4FBD-80D9-D59B3C456D5E}"/>
               </a:ext>
               <a:ext uri="{C183D7F6-B498-43B3-948B-1728B52AA6E4}">
-                <adec:decorative xmlns="" xmlns:adec="http://schemas.microsoft.com/office/drawing/2017/decorative" val="1"/>
+                <adec:decorative xmlns:adec="http://schemas.microsoft.com/office/drawing/2017/decorative" xmlns="" val="1"/>
               </a:ext>
             </a:extLst>
           </p:cNvPr>
@@ -8354,7 +10027,7 @@
                 <a16:creationId xmlns:a16="http://schemas.microsoft.com/office/drawing/2014/main" id="{952C5002-7E64-4069-ACA0-6876E54A9B46}"/>
               </a:ext>
               <a:ext uri="{C183D7F6-B498-43B3-948B-1728B52AA6E4}">
-                <adec:decorative xmlns="" xmlns:adec="http://schemas.microsoft.com/office/drawing/2017/decorative" val="1"/>
+                <adec:decorative xmlns:adec="http://schemas.microsoft.com/office/drawing/2017/decorative" xmlns="" val="1"/>
               </a:ext>
             </a:extLst>
           </p:cNvPr>
@@ -8417,7 +10090,7 @@
                 <a16:creationId xmlns:a16="http://schemas.microsoft.com/office/drawing/2014/main" id="{A49C5F3A-6F0D-4A0F-AE6E-92F342C22ACD}"/>
               </a:ext>
               <a:ext uri="{C183D7F6-B498-43B3-948B-1728B52AA6E4}">
-                <adec:decorative xmlns="" xmlns:adec="http://schemas.microsoft.com/office/drawing/2017/decorative" val="1"/>
+                <adec:decorative xmlns:adec="http://schemas.microsoft.com/office/drawing/2017/decorative" xmlns="" val="1"/>
               </a:ext>
             </a:extLst>
           </p:cNvPr>
@@ -8472,7 +10145,7 @@
                 <a16:creationId xmlns:a16="http://schemas.microsoft.com/office/drawing/2014/main" id="{94A75A79-A67A-4A23-8588-7FC5EB9A5183}"/>
               </a:ext>
               <a:ext uri="{C183D7F6-B498-43B3-948B-1728B52AA6E4}">
-                <adec:decorative xmlns="" xmlns:adec="http://schemas.microsoft.com/office/drawing/2017/decorative" val="1"/>
+                <adec:decorative xmlns:adec="http://schemas.microsoft.com/office/drawing/2017/decorative" xmlns="" val="1"/>
               </a:ext>
             </a:extLst>
           </p:cNvPr>
@@ -8535,7 +10208,7 @@
                 <a16:creationId xmlns:a16="http://schemas.microsoft.com/office/drawing/2014/main" id="{BBC62739-FA35-49F8-8929-743B31F55A69}"/>
               </a:ext>
               <a:ext uri="{C183D7F6-B498-43B3-948B-1728B52AA6E4}">
-                <adec:decorative xmlns="" xmlns:adec="http://schemas.microsoft.com/office/drawing/2017/decorative" val="1"/>
+                <adec:decorative xmlns:adec="http://schemas.microsoft.com/office/drawing/2017/decorative" xmlns="" val="1"/>
               </a:ext>
             </a:extLst>
           </p:cNvPr>
@@ -8592,7 +10265,7 @@
                 <a16:creationId xmlns:a16="http://schemas.microsoft.com/office/drawing/2014/main" id="{71BB375D-5EE6-4428-9817-2C7DB6B94332}"/>
               </a:ext>
               <a:ext uri="{C183D7F6-B498-43B3-948B-1728B52AA6E4}">
-                <adec:decorative xmlns="" xmlns:adec="http://schemas.microsoft.com/office/drawing/2017/decorative" val="1"/>
+                <adec:decorative xmlns:adec="http://schemas.microsoft.com/office/drawing/2017/decorative" xmlns="" val="1"/>
               </a:ext>
             </a:extLst>
           </p:cNvPr>
@@ -8655,7 +10328,7 @@
                 <a16:creationId xmlns:a16="http://schemas.microsoft.com/office/drawing/2014/main" id="{B3A511B7-C7F3-4107-9962-1E10D2E087DD}"/>
               </a:ext>
               <a:ext uri="{C183D7F6-B498-43B3-948B-1728B52AA6E4}">
-                <adec:decorative xmlns="" xmlns:adec="http://schemas.microsoft.com/office/drawing/2017/decorative" val="1"/>
+                <adec:decorative xmlns:adec="http://schemas.microsoft.com/office/drawing/2017/decorative" xmlns="" val="1"/>
               </a:ext>
             </a:extLst>
           </p:cNvPr>
@@ -8710,7 +10383,7 @@
                 <a16:creationId xmlns:a16="http://schemas.microsoft.com/office/drawing/2014/main" id="{D4D7D4B6-62C2-45AB-89A5-3A41DA021FD2}"/>
               </a:ext>
               <a:ext uri="{C183D7F6-B498-43B3-948B-1728B52AA6E4}">
-                <adec:decorative xmlns="" xmlns:adec="http://schemas.microsoft.com/office/drawing/2017/decorative" val="1"/>
+                <adec:decorative xmlns:adec="http://schemas.microsoft.com/office/drawing/2017/decorative" xmlns="" val="1"/>
               </a:ext>
             </a:extLst>
           </p:cNvPr>
@@ -8773,7 +10446,7 @@
                 <a16:creationId xmlns:a16="http://schemas.microsoft.com/office/drawing/2014/main" id="{83902602-D4BC-4D44-AC14-BB55A86C5D06}"/>
               </a:ext>
               <a:ext uri="{C183D7F6-B498-43B3-948B-1728B52AA6E4}">
-                <adec:decorative xmlns="" xmlns:adec="http://schemas.microsoft.com/office/drawing/2017/decorative" val="1"/>
+                <adec:decorative xmlns:adec="http://schemas.microsoft.com/office/drawing/2017/decorative" xmlns="" val="1"/>
               </a:ext>
             </a:extLst>
           </p:cNvPr>
@@ -13038,7 +14711,7 @@
                 <a16:creationId xmlns:a16="http://schemas.microsoft.com/office/drawing/2014/main" id="{83E690F4-843A-47A5-8620-4FB01C0D8E68}"/>
               </a:ext>
               <a:ext uri="{C183D7F6-B498-43B3-948B-1728B52AA6E4}">
-                <adec:decorative xmlns="" xmlns:adec="http://schemas.microsoft.com/office/drawing/2017/decorative" val="1"/>
+                <adec:decorative xmlns:adec="http://schemas.microsoft.com/office/drawing/2017/decorative" xmlns="" val="1"/>
               </a:ext>
             </a:extLst>
           </p:cNvPr>
@@ -13288,7 +14961,7 @@
                 <a16:creationId xmlns:a16="http://schemas.microsoft.com/office/drawing/2014/main" id="{D0986099-F5F2-4E8B-BE17-81194861A00C}"/>
               </a:ext>
               <a:ext uri="{C183D7F6-B498-43B3-948B-1728B52AA6E4}">
-                <adec:decorative xmlns="" xmlns:adec="http://schemas.microsoft.com/office/drawing/2017/decorative" val="1"/>
+                <adec:decorative xmlns:adec="http://schemas.microsoft.com/office/drawing/2017/decorative" xmlns="" val="1"/>
               </a:ext>
             </a:extLst>
           </p:cNvPr>
@@ -13388,7 +15061,7 @@
                 <a16:creationId xmlns:a16="http://schemas.microsoft.com/office/drawing/2014/main" id="{83E690F4-843A-47A5-8620-4FB01C0D8E68}"/>
               </a:ext>
               <a:ext uri="{C183D7F6-B498-43B3-948B-1728B52AA6E4}">
-                <adec:decorative xmlns="" xmlns:adec="http://schemas.microsoft.com/office/drawing/2017/decorative" val="1"/>
+                <adec:decorative xmlns:adec="http://schemas.microsoft.com/office/drawing/2017/decorative" xmlns="" val="1"/>
               </a:ext>
             </a:extLst>
           </p:cNvPr>
@@ -13438,7 +15111,7 @@
         <p:spPr>
           <a:xfrm>
             <a:off x="2225390" y="1556254"/>
-            <a:ext cx="7741222" cy="4601260"/>
+            <a:ext cx="7372531" cy="4601260"/>
           </a:xfrm>
           <a:prstGeom prst="rect">
             <a:avLst/>
@@ -13652,7 +15325,7 @@
               <a:t>Used </a:t>
             </a:r>
             <a:r>
-              <a:rPr lang="en-US" sz="2000" b="1" dirty="0">
+              <a:rPr lang="en-US" sz="2000" b="1" dirty="0" err="1" smtClean="0">
                 <a:solidFill>
                   <a:schemeClr val="accent3">
                     <a:lumMod val="50000"/>
@@ -13661,15 +15334,33 @@
                 <a:latin typeface="Yu Gothic Medium" panose="020B0500000000000000" pitchFamily="34" charset="-128"/>
                 <a:ea typeface="Yu Gothic Medium" panose="020B0500000000000000" pitchFamily="34" charset="-128"/>
               </a:rPr>
-              <a:t>Schedule</a:t>
+              <a:t>apcheduler</a:t>
+            </a:r>
+            <a:r>
+              <a:rPr lang="en-US" sz="2000" b="1" dirty="0" smtClean="0">
+                <a:latin typeface="Yu Gothic Medium" panose="020B0500000000000000" pitchFamily="34" charset="-128"/>
+                <a:ea typeface="Yu Gothic Medium" panose="020B0500000000000000" pitchFamily="34" charset="-128"/>
+              </a:rPr>
+              <a:t> </a:t>
             </a:r>
             <a:r>
               <a:rPr lang="en-US" sz="2000" dirty="0">
                 <a:latin typeface="Yu Gothic Medium" panose="020B0500000000000000" pitchFamily="34" charset="-128"/>
                 <a:ea typeface="Yu Gothic Medium" panose="020B0500000000000000" pitchFamily="34" charset="-128"/>
               </a:rPr>
-              <a:t> for running scrapper in every Monday at “12:00”.</a:t>
-            </a:r>
+              <a:t>for running </a:t>
+            </a:r>
+            <a:r>
+              <a:rPr lang="en-US" sz="2000" dirty="0" smtClean="0">
+                <a:latin typeface="Yu Gothic Medium" panose="020B0500000000000000" pitchFamily="34" charset="-128"/>
+                <a:ea typeface="Yu Gothic Medium" panose="020B0500000000000000" pitchFamily="34" charset="-128"/>
+              </a:rPr>
+              <a:t>scrapper every week.</a:t>
+            </a:r>
+            <a:endParaRPr lang="en-US" sz="2000" dirty="0">
+              <a:latin typeface="Yu Gothic Medium" panose="020B0500000000000000" pitchFamily="34" charset="-128"/>
+              <a:ea typeface="Yu Gothic Medium" panose="020B0500000000000000" pitchFamily="34" charset="-128"/>
+            </a:endParaRPr>
           </a:p>
           <a:p>
             <a:pPr>
@@ -13701,8 +15392,19 @@
                 <a:latin typeface="Yu Gothic Medium" panose="020B0500000000000000" pitchFamily="34" charset="-128"/>
                 <a:ea typeface="Yu Gothic Medium" panose="020B0500000000000000" pitchFamily="34" charset="-128"/>
               </a:rPr>
-              <a:t>  for parsing HTML.</a:t>
-            </a:r>
+              <a:t>  for parsing HTML</a:t>
+            </a:r>
+            <a:r>
+              <a:rPr lang="en-US" sz="2000" dirty="0" smtClean="0">
+                <a:latin typeface="Yu Gothic Medium" panose="020B0500000000000000" pitchFamily="34" charset="-128"/>
+                <a:ea typeface="Yu Gothic Medium" panose="020B0500000000000000" pitchFamily="34" charset="-128"/>
+              </a:rPr>
+              <a:t>.</a:t>
+            </a:r>
+            <a:endParaRPr lang="en-US" sz="2000" dirty="0">
+              <a:latin typeface="Yu Gothic Medium" panose="020B0500000000000000" pitchFamily="34" charset="-128"/>
+              <a:ea typeface="Yu Gothic Medium" panose="020B0500000000000000" pitchFamily="34" charset="-128"/>
+            </a:endParaRPr>
           </a:p>
           <a:p>
             <a:pPr>
@@ -13796,7 +15498,7 @@
                 <a16:creationId xmlns:a16="http://schemas.microsoft.com/office/drawing/2014/main" id="{D0986099-F5F2-4E8B-BE17-81194861A00C}"/>
               </a:ext>
               <a:ext uri="{C183D7F6-B498-43B3-948B-1728B52AA6E4}">
-                <adec:decorative xmlns="" xmlns:adec="http://schemas.microsoft.com/office/drawing/2017/decorative" val="1"/>
+                <adec:decorative xmlns:adec="http://schemas.microsoft.com/office/drawing/2017/decorative" xmlns="" val="1"/>
               </a:ext>
             </a:extLst>
           </p:cNvPr>
@@ -13845,7 +15547,7 @@
                 <a16:creationId xmlns:a16="http://schemas.microsoft.com/office/drawing/2014/main" id="{83E690F4-843A-47A5-8620-4FB01C0D8E68}"/>
               </a:ext>
               <a:ext uri="{C183D7F6-B498-43B3-948B-1728B52AA6E4}">
-                <adec:decorative xmlns="" xmlns:adec="http://schemas.microsoft.com/office/drawing/2017/decorative" val="1"/>
+                <adec:decorative xmlns:adec="http://schemas.microsoft.com/office/drawing/2017/decorative" xmlns="" val="1"/>
               </a:ext>
             </a:extLst>
           </p:cNvPr>
@@ -13937,7 +15639,7 @@
       </p:sp>
       <p:pic>
         <p:nvPicPr>
-          <p:cNvPr id="3" name="Рисунок 2"/>
+          <p:cNvPr id="2" name="Рисунок 1"/>
           <p:cNvPicPr>
             <a:picLocks noChangeAspect="1"/>
           </p:cNvPicPr>
@@ -13957,8 +15659,8 @@
         </p:blipFill>
         <p:spPr>
           <a:xfrm>
-            <a:off x="782022" y="2094129"/>
-            <a:ext cx="10624735" cy="3003163"/>
+            <a:off x="257174" y="2030412"/>
+            <a:ext cx="11499397" cy="2628732"/>
           </a:xfrm>
           <a:prstGeom prst="rect">
             <a:avLst/>
@@ -14044,7 +15746,7 @@
                 <a16:creationId xmlns:a16="http://schemas.microsoft.com/office/drawing/2014/main" id="{D0986099-F5F2-4E8B-BE17-81194861A00C}"/>
               </a:ext>
               <a:ext uri="{C183D7F6-B498-43B3-948B-1728B52AA6E4}">
-                <adec:decorative xmlns="" xmlns:adec="http://schemas.microsoft.com/office/drawing/2017/decorative" val="1"/>
+                <adec:decorative xmlns:adec="http://schemas.microsoft.com/office/drawing/2017/decorative" xmlns="" val="1"/>
               </a:ext>
             </a:extLst>
           </p:cNvPr>
@@ -14093,7 +15795,7 @@
                 <a16:creationId xmlns:a16="http://schemas.microsoft.com/office/drawing/2014/main" id="{83E690F4-843A-47A5-8620-4FB01C0D8E68}"/>
               </a:ext>
               <a:ext uri="{C183D7F6-B498-43B3-948B-1728B52AA6E4}">
-                <adec:decorative xmlns="" xmlns:adec="http://schemas.microsoft.com/office/drawing/2017/decorative" val="1"/>
+                <adec:decorative xmlns:adec="http://schemas.microsoft.com/office/drawing/2017/decorative" xmlns="" val="1"/>
               </a:ext>
             </a:extLst>
           </p:cNvPr>
@@ -14192,7 +15894,7 @@
         <p:spPr>
           <a:xfrm>
             <a:off x="2276690" y="1635692"/>
-            <a:ext cx="7638630" cy="3370153"/>
+            <a:ext cx="7638630" cy="3754874"/>
           </a:xfrm>
           <a:prstGeom prst="rect">
             <a:avLst/>
@@ -14351,8 +16053,35 @@
                 <a:latin typeface="Yu Gothic Medium" panose="020B0500000000000000" pitchFamily="34" charset="-128"/>
                 <a:ea typeface="Yu Gothic Medium" panose="020B0500000000000000" pitchFamily="34" charset="-128"/>
               </a:rPr>
-              <a:t>to many relationship)</a:t>
-            </a:r>
+              <a:t>to many relationship</a:t>
+            </a:r>
+            <a:r>
+              <a:rPr lang="en-US" sz="2000" dirty="0" smtClean="0">
+                <a:latin typeface="Yu Gothic Medium" panose="020B0500000000000000" pitchFamily="34" charset="-128"/>
+                <a:ea typeface="Yu Gothic Medium" panose="020B0500000000000000" pitchFamily="34" charset="-128"/>
+              </a:rPr>
+              <a:t>)</a:t>
+            </a:r>
+          </a:p>
+          <a:p>
+            <a:pPr marL="342891" indent="-342891">
+              <a:spcBef>
+                <a:spcPts val="600"/>
+              </a:spcBef>
+              <a:buFont typeface="Arial" panose="020B0604020202020204" pitchFamily="34" charset="0"/>
+              <a:buChar char="•"/>
+            </a:pPr>
+            <a:r>
+              <a:rPr lang="en-US" sz="2000" dirty="0" smtClean="0">
+                <a:latin typeface="Yu Gothic Medium" panose="020B0500000000000000" pitchFamily="34" charset="-128"/>
+                <a:ea typeface="Yu Gothic Medium" panose="020B0500000000000000" pitchFamily="34" charset="-128"/>
+              </a:rPr>
+              <a:t>User</a:t>
+            </a:r>
+            <a:endParaRPr lang="en-US" sz="2000" dirty="0">
+              <a:latin typeface="Yu Gothic Medium" panose="020B0500000000000000" pitchFamily="34" charset="-128"/>
+              <a:ea typeface="Yu Gothic Medium" panose="020B0500000000000000" pitchFamily="34" charset="-128"/>
+            </a:endParaRPr>
           </a:p>
           <a:p>
             <a:pPr>
@@ -14405,17 +16134,17 @@
                 <a:latin typeface="Yu Gothic Medium" panose="020B0500000000000000" pitchFamily="34" charset="-128"/>
                 <a:ea typeface="Yu Gothic Medium" panose="020B0500000000000000" pitchFamily="34" charset="-128"/>
               </a:rPr>
-              <a:t>Database </a:t>
+              <a:t>d</a:t>
             </a:r>
             <a:r>
               <a:rPr lang="en-US" sz="2000" dirty="0" smtClean="0">
                 <a:latin typeface="Yu Gothic Medium" panose="020B0500000000000000" pitchFamily="34" charset="-128"/>
                 <a:ea typeface="Yu Gothic Medium" panose="020B0500000000000000" pitchFamily="34" charset="-128"/>
               </a:rPr>
-              <a:t>by run </a:t>
-            </a:r>
-            <a:r>
-              <a:rPr lang="en-US" sz="2000" b="1" dirty="0" smtClean="0">
+              <a:t>atabase every week using </a:t>
+            </a:r>
+            <a:r>
+              <a:rPr lang="en-US" sz="2000" b="1" dirty="0" err="1" smtClean="0">
                 <a:solidFill>
                   <a:schemeClr val="accent3">
                     <a:lumMod val="50000"/>
@@ -14424,10 +16153,15 @@
                 <a:latin typeface="Yu Gothic Medium" panose="020B0500000000000000" pitchFamily="34" charset="-128"/>
                 <a:ea typeface="Yu Gothic Medium" panose="020B0500000000000000" pitchFamily="34" charset="-128"/>
               </a:rPr>
-              <a:t>“run.py”</a:t>
-            </a:r>
-            <a:r>
-              <a:rPr lang="en-US" sz="2000" dirty="0" smtClean="0">
+              <a:t>apcheduler</a:t>
+            </a:r>
+            <a:r>
+              <a:rPr lang="en-US" sz="2000" b="1" dirty="0" smtClean="0">
+                <a:solidFill>
+                  <a:schemeClr val="accent3">
+                    <a:lumMod val="50000"/>
+                  </a:schemeClr>
+                </a:solidFill>
                 <a:latin typeface="Yu Gothic Medium" panose="020B0500000000000000" pitchFamily="34" charset="-128"/>
                 <a:ea typeface="Yu Gothic Medium" panose="020B0500000000000000" pitchFamily="34" charset="-128"/>
               </a:rPr>
@@ -14525,7 +16259,7 @@
                 <a16:creationId xmlns:a16="http://schemas.microsoft.com/office/drawing/2014/main" id="{D0986099-F5F2-4E8B-BE17-81194861A00C}"/>
               </a:ext>
               <a:ext uri="{C183D7F6-B498-43B3-948B-1728B52AA6E4}">
-                <adec:decorative xmlns="" xmlns:adec="http://schemas.microsoft.com/office/drawing/2017/decorative" val="1"/>
+                <adec:decorative xmlns:adec="http://schemas.microsoft.com/office/drawing/2017/decorative" xmlns="" val="1"/>
               </a:ext>
             </a:extLst>
           </p:cNvPr>
@@ -14574,7 +16308,7 @@
                 <a16:creationId xmlns:a16="http://schemas.microsoft.com/office/drawing/2014/main" id="{83E690F4-843A-47A5-8620-4FB01C0D8E68}"/>
               </a:ext>
               <a:ext uri="{C183D7F6-B498-43B3-948B-1728B52AA6E4}">
-                <adec:decorative xmlns="" xmlns:adec="http://schemas.microsoft.com/office/drawing/2017/decorative" val="1"/>
+                <adec:decorative xmlns:adec="http://schemas.microsoft.com/office/drawing/2017/decorative" xmlns="" val="1"/>
               </a:ext>
             </a:extLst>
           </p:cNvPr>
@@ -14661,8 +16395,8 @@
         </p:nvSpPr>
         <p:spPr>
           <a:xfrm>
-            <a:off x="1900033" y="1579422"/>
-            <a:ext cx="8391950" cy="4818435"/>
+            <a:off x="1900033" y="1217700"/>
+            <a:ext cx="8391950" cy="5401479"/>
           </a:xfrm>
           <a:prstGeom prst="rect">
             <a:avLst/>
@@ -14863,14 +16597,21 @@
               <a:t>Status</a:t>
             </a:r>
             <a:r>
+              <a:rPr lang="en-US" sz="2000" b="1" dirty="0">
+                <a:latin typeface="Yu Gothic Medium" panose="020B0500000000000000" pitchFamily="34" charset="-128"/>
+                <a:ea typeface="Yu Gothic Medium" panose="020B0500000000000000" pitchFamily="34" charset="-128"/>
+              </a:rPr>
+              <a:t>`</a:t>
+            </a:r>
+            <a:r>
               <a:rPr lang="en-US" sz="2000" b="1" dirty="0" smtClean="0">
                 <a:latin typeface="Yu Gothic Medium" panose="020B0500000000000000" pitchFamily="34" charset="-128"/>
                 <a:ea typeface="Yu Gothic Medium" panose="020B0500000000000000" pitchFamily="34" charset="-128"/>
               </a:rPr>
-              <a:t>, </a:t>
-            </a:r>
-            <a:r>
-              <a:rPr lang="en-US" sz="2000" b="1" dirty="0" err="1">
+              <a:t> </a:t>
+            </a:r>
+            <a:r>
+              <a:rPr lang="en-US" sz="2000" b="1" dirty="0" err="1" smtClean="0">
                 <a:solidFill>
                   <a:schemeClr val="accent3">
                     <a:lumMod val="50000"/>
@@ -14882,25 +16623,6 @@
               <a:t>autogenerateble</a:t>
             </a:r>
             <a:r>
-              <a:rPr lang="en-US" sz="2000" b="1" dirty="0">
-                <a:latin typeface="Yu Gothic Medium" panose="020B0500000000000000" pitchFamily="34" charset="-128"/>
-                <a:ea typeface="Yu Gothic Medium" panose="020B0500000000000000" pitchFamily="34" charset="-128"/>
-              </a:rPr>
-              <a:t> </a:t>
-            </a:r>
-            <a:r>
-              <a:rPr lang="en-US" sz="2000" b="1" dirty="0">
-                <a:solidFill>
-                  <a:schemeClr val="accent3">
-                    <a:lumMod val="50000"/>
-                  </a:schemeClr>
-                </a:solidFill>
-                <a:latin typeface="Yu Gothic Medium" panose="020B0500000000000000" pitchFamily="34" charset="-128"/>
-                <a:ea typeface="Yu Gothic Medium" panose="020B0500000000000000" pitchFamily="34" charset="-128"/>
-              </a:rPr>
-              <a:t>d</a:t>
-            </a:r>
-            <a:r>
               <a:rPr lang="en-US" sz="2000" b="1" dirty="0" smtClean="0">
                 <a:solidFill>
                   <a:schemeClr val="accent3">
@@ -14910,7 +16632,45 @@
                 <a:latin typeface="Yu Gothic Medium" panose="020B0500000000000000" pitchFamily="34" charset="-128"/>
                 <a:ea typeface="Yu Gothic Medium" panose="020B0500000000000000" pitchFamily="34" charset="-128"/>
               </a:rPr>
-              <a:t>ropdown</a:t>
+              <a:t>,</a:t>
+            </a:r>
+            <a:r>
+              <a:rPr lang="en-US" sz="2000" b="1" dirty="0" smtClean="0">
+                <a:latin typeface="Yu Gothic Medium" panose="020B0500000000000000" pitchFamily="34" charset="-128"/>
+                <a:ea typeface="Yu Gothic Medium" panose="020B0500000000000000" pitchFamily="34" charset="-128"/>
+              </a:rPr>
+              <a:t> </a:t>
+            </a:r>
+            <a:r>
+              <a:rPr lang="en-US" sz="2000" b="1" dirty="0" smtClean="0">
+                <a:solidFill>
+                  <a:schemeClr val="accent3">
+                    <a:lumMod val="50000"/>
+                  </a:schemeClr>
+                </a:solidFill>
+                <a:latin typeface="Yu Gothic Medium" panose="020B0500000000000000" pitchFamily="34" charset="-128"/>
+                <a:ea typeface="Yu Gothic Medium" panose="020B0500000000000000" pitchFamily="34" charset="-128"/>
+              </a:rPr>
+              <a:t>sorted</a:t>
+            </a:r>
+            <a:r>
+              <a:rPr lang="en-US" sz="2000" b="1" dirty="0" smtClean="0">
+                <a:latin typeface="Yu Gothic Medium" panose="020B0500000000000000" pitchFamily="34" charset="-128"/>
+                <a:ea typeface="Yu Gothic Medium" panose="020B0500000000000000" pitchFamily="34" charset="-128"/>
+              </a:rPr>
+              <a:t> </a:t>
+            </a:r>
+            <a:r>
+              <a:rPr lang="en-US" sz="2000" b="1" dirty="0" smtClean="0">
+                <a:solidFill>
+                  <a:schemeClr val="accent3">
+                    <a:lumMod val="50000"/>
+                  </a:schemeClr>
+                </a:solidFill>
+                <a:latin typeface="Yu Gothic Medium" panose="020B0500000000000000" pitchFamily="34" charset="-128"/>
+                <a:ea typeface="Yu Gothic Medium" panose="020B0500000000000000" pitchFamily="34" charset="-128"/>
+              </a:rPr>
+              <a:t>dropdown</a:t>
             </a:r>
             <a:r>
               <a:rPr lang="en-US" sz="2000" b="1" dirty="0" smtClean="0">
@@ -15031,6 +16791,55 @@
             </a:r>
           </a:p>
           <a:p>
+            <a:pPr marL="342891" indent="-342891">
+              <a:lnSpc>
+                <a:spcPct val="150000"/>
+              </a:lnSpc>
+              <a:spcBef>
+                <a:spcPts val="600"/>
+              </a:spcBef>
+              <a:buFont typeface="Arial" panose="020B0604020202020204" pitchFamily="34" charset="0"/>
+              <a:buChar char="•"/>
+            </a:pPr>
+            <a:r>
+              <a:rPr lang="en-US" sz="2000" dirty="0">
+                <a:latin typeface="Yu Gothic Medium" panose="020B0500000000000000" pitchFamily="34" charset="-128"/>
+                <a:ea typeface="Yu Gothic Medium" panose="020B0500000000000000" pitchFamily="34" charset="-128"/>
+              </a:rPr>
+              <a:t>s</a:t>
+            </a:r>
+            <a:r>
+              <a:rPr lang="en-US" sz="2000" dirty="0" smtClean="0">
+                <a:latin typeface="Yu Gothic Medium" panose="020B0500000000000000" pitchFamily="34" charset="-128"/>
+                <a:ea typeface="Yu Gothic Medium" panose="020B0500000000000000" pitchFamily="34" charset="-128"/>
+              </a:rPr>
+              <a:t>ubscribe.html, subscribe_info.html (</a:t>
+            </a:r>
+            <a:r>
+              <a:rPr lang="en-US" sz="2000" b="1" dirty="0" smtClean="0">
+                <a:solidFill>
+                  <a:schemeClr val="accent3">
+                    <a:lumMod val="50000"/>
+                  </a:schemeClr>
+                </a:solidFill>
+                <a:latin typeface="Yu Gothic Medium" panose="020B0500000000000000" pitchFamily="34" charset="-128"/>
+                <a:ea typeface="Yu Gothic Medium" panose="020B0500000000000000" pitchFamily="34" charset="-128"/>
+              </a:rPr>
+              <a:t>Subscribe</a:t>
+            </a:r>
+            <a:r>
+              <a:rPr lang="en-US" sz="2000" dirty="0" smtClean="0">
+                <a:latin typeface="Yu Gothic Medium" panose="020B0500000000000000" pitchFamily="34" charset="-128"/>
+                <a:ea typeface="Yu Gothic Medium" panose="020B0500000000000000" pitchFamily="34" charset="-128"/>
+              </a:rPr>
+              <a:t>)</a:t>
+            </a:r>
+            <a:endParaRPr lang="en-US" sz="2000" dirty="0" smtClean="0">
+              <a:latin typeface="Yu Gothic Medium" panose="020B0500000000000000" pitchFamily="34" charset="-128"/>
+              <a:ea typeface="Yu Gothic Medium" panose="020B0500000000000000" pitchFamily="34" charset="-128"/>
+            </a:endParaRPr>
+          </a:p>
+          <a:p>
             <a:pPr>
               <a:lnSpc>
                 <a:spcPct val="150000"/>
@@ -15063,21 +16872,7 @@
                 <a:latin typeface="Yu Gothic Medium" panose="020B0500000000000000" pitchFamily="34" charset="-128"/>
                 <a:ea typeface="Yu Gothic Medium" panose="020B0500000000000000" pitchFamily="34" charset="-128"/>
               </a:rPr>
-              <a:t> for </a:t>
-            </a:r>
-            <a:r>
-              <a:rPr lang="en-US" sz="2000" dirty="0" smtClean="0">
-                <a:latin typeface="Yu Gothic Medium" panose="020B0500000000000000" pitchFamily="34" charset="-128"/>
-                <a:ea typeface="Yu Gothic Medium" panose="020B0500000000000000" pitchFamily="34" charset="-128"/>
-              </a:rPr>
-              <a:t>manage </a:t>
-            </a:r>
-            <a:r>
-              <a:rPr lang="en-US" sz="2000" dirty="0" smtClean="0">
-                <a:latin typeface="Yu Gothic Medium" panose="020B0500000000000000" pitchFamily="34" charset="-128"/>
-                <a:ea typeface="Yu Gothic Medium" panose="020B0500000000000000" pitchFamily="34" charset="-128"/>
-              </a:rPr>
-              <a:t>information from database.</a:t>
+              <a:t> for manage information from database.</a:t>
             </a:r>
           </a:p>
           <a:p>
